--- a/Sentiment_Trading.pptx
+++ b/Sentiment_Trading.pptx
@@ -5,21 +5,26 @@
     <p:sldMasterId id="2147483828" r:id="rId4"/>
   </p:sldMasterIdLst>
   <p:notesMasterIdLst>
-    <p:notesMasterId r:id="rId14"/>
+    <p:notesMasterId r:id="rId19"/>
   </p:notesMasterIdLst>
   <p:handoutMasterIdLst>
-    <p:handoutMasterId r:id="rId15"/>
+    <p:handoutMasterId r:id="rId20"/>
   </p:handoutMasterIdLst>
   <p:sldIdLst>
     <p:sldId id="256" r:id="rId5"/>
-    <p:sldId id="259" r:id="rId6"/>
-    <p:sldId id="264" r:id="rId7"/>
-    <p:sldId id="260" r:id="rId8"/>
+    <p:sldId id="260" r:id="rId6"/>
+    <p:sldId id="259" r:id="rId7"/>
+    <p:sldId id="264" r:id="rId8"/>
     <p:sldId id="257" r:id="rId9"/>
     <p:sldId id="263" r:id="rId10"/>
     <p:sldId id="262" r:id="rId11"/>
-    <p:sldId id="258" r:id="rId12"/>
-    <p:sldId id="265" r:id="rId13"/>
+    <p:sldId id="265" r:id="rId12"/>
+    <p:sldId id="272" r:id="rId13"/>
+    <p:sldId id="267" r:id="rId14"/>
+    <p:sldId id="270" r:id="rId15"/>
+    <p:sldId id="269" r:id="rId16"/>
+    <p:sldId id="271" r:id="rId17"/>
+    <p:sldId id="273" r:id="rId18"/>
   </p:sldIdLst>
   <p:sldSz cx="12192000" cy="6858000"/>
   <p:notesSz cx="6858000" cy="9144000"/>
@@ -127,6 +132,14 @@
     </p:ext>
   </p:extLst>
 </p:presentation>
+</file>
+
+<file path=ppt/revisionInfo.xml><?xml version="1.0" encoding="utf-8"?>
+<p1510:revInfo xmlns:a="http://schemas.openxmlformats.org/drawingml/2006/main" xmlns:r="http://schemas.openxmlformats.org/officeDocument/2006/relationships" xmlns:p1510="http://schemas.microsoft.com/office/powerpoint/2015/10/main">
+  <p1510:revLst>
+    <p1510:client id="{5B3D346E-4D8D-4D42-A824-D6B5A44509F7}" v="15" dt="2022-06-11T14:56:04.362"/>
+  </p1510:revLst>
+</p1510:revInfo>
 </file>
 
 <file path=ppt/diagrams/colors1.xml><?xml version="1.0" encoding="utf-8"?>
@@ -7166,6 +7179,342 @@
 </p:notes>
 </file>
 
+<file path=ppt/notesSlides/notesSlide10.xml><?xml version="1.0" encoding="utf-8"?>
+<p:notes xmlns:a="http://schemas.openxmlformats.org/drawingml/2006/main" xmlns:r="http://schemas.openxmlformats.org/officeDocument/2006/relationships" xmlns:p="http://schemas.openxmlformats.org/presentationml/2006/main">
+  <p:cSld>
+    <p:spTree>
+      <p:nvGrpSpPr>
+        <p:cNvPr id="1" name=""/>
+        <p:cNvGrpSpPr/>
+        <p:nvPr/>
+      </p:nvGrpSpPr>
+      <p:grpSpPr>
+        <a:xfrm>
+          <a:off x="0" y="0"/>
+          <a:ext cx="0" cy="0"/>
+          <a:chOff x="0" y="0"/>
+          <a:chExt cx="0" cy="0"/>
+        </a:xfrm>
+      </p:grpSpPr>
+      <p:sp>
+        <p:nvSpPr>
+          <p:cNvPr id="2" name="Slide Image Placeholder 1"/>
+          <p:cNvSpPr>
+            <a:spLocks noGrp="1" noRot="1" noChangeAspect="1"/>
+          </p:cNvSpPr>
+          <p:nvPr>
+            <p:ph type="sldImg"/>
+          </p:nvPr>
+        </p:nvSpPr>
+        <p:spPr/>
+      </p:sp>
+      <p:sp>
+        <p:nvSpPr>
+          <p:cNvPr id="3" name="Notes Placeholder 2"/>
+          <p:cNvSpPr>
+            <a:spLocks noGrp="1"/>
+          </p:cNvSpPr>
+          <p:nvPr>
+            <p:ph type="body" idx="1"/>
+          </p:nvPr>
+        </p:nvSpPr>
+        <p:spPr/>
+        <p:txBody>
+          <a:bodyPr/>
+          <a:lstStyle/>
+          <a:p>
+            <a:endParaRPr lang="en-US" dirty="0"/>
+          </a:p>
+        </p:txBody>
+      </p:sp>
+      <p:sp>
+        <p:nvSpPr>
+          <p:cNvPr id="4" name="Slide Number Placeholder 3"/>
+          <p:cNvSpPr>
+            <a:spLocks noGrp="1"/>
+          </p:cNvSpPr>
+          <p:nvPr>
+            <p:ph type="sldNum" sz="quarter" idx="5"/>
+          </p:nvPr>
+        </p:nvSpPr>
+        <p:spPr/>
+        <p:txBody>
+          <a:bodyPr/>
+          <a:lstStyle/>
+          <a:p>
+            <a:fld id="{CFED664B-377C-4B68-AF4E-EBDA643118DF}" type="slidenum">
+              <a:rPr lang="en-US" smtClean="0"/>
+              <a:t>10</a:t>
+            </a:fld>
+            <a:endParaRPr lang="en-US" dirty="0"/>
+          </a:p>
+        </p:txBody>
+      </p:sp>
+    </p:spTree>
+    <p:extLst>
+      <p:ext uri="{BB962C8B-B14F-4D97-AF65-F5344CB8AC3E}">
+        <p14:creationId xmlns:p14="http://schemas.microsoft.com/office/powerpoint/2010/main" val="2910664282"/>
+      </p:ext>
+    </p:extLst>
+  </p:cSld>
+  <p:clrMapOvr>
+    <a:masterClrMapping/>
+  </p:clrMapOvr>
+</p:notes>
+</file>
+
+<file path=ppt/notesSlides/notesSlide11.xml><?xml version="1.0" encoding="utf-8"?>
+<p:notes xmlns:a="http://schemas.openxmlformats.org/drawingml/2006/main" xmlns:r="http://schemas.openxmlformats.org/officeDocument/2006/relationships" xmlns:p="http://schemas.openxmlformats.org/presentationml/2006/main">
+  <p:cSld>
+    <p:spTree>
+      <p:nvGrpSpPr>
+        <p:cNvPr id="1" name=""/>
+        <p:cNvGrpSpPr/>
+        <p:nvPr/>
+      </p:nvGrpSpPr>
+      <p:grpSpPr>
+        <a:xfrm>
+          <a:off x="0" y="0"/>
+          <a:ext cx="0" cy="0"/>
+          <a:chOff x="0" y="0"/>
+          <a:chExt cx="0" cy="0"/>
+        </a:xfrm>
+      </p:grpSpPr>
+      <p:sp>
+        <p:nvSpPr>
+          <p:cNvPr id="2" name="Slide Image Placeholder 1"/>
+          <p:cNvSpPr>
+            <a:spLocks noGrp="1" noRot="1" noChangeAspect="1"/>
+          </p:cNvSpPr>
+          <p:nvPr>
+            <p:ph type="sldImg"/>
+          </p:nvPr>
+        </p:nvSpPr>
+        <p:spPr/>
+      </p:sp>
+      <p:sp>
+        <p:nvSpPr>
+          <p:cNvPr id="3" name="Notes Placeholder 2"/>
+          <p:cNvSpPr>
+            <a:spLocks noGrp="1"/>
+          </p:cNvSpPr>
+          <p:nvPr>
+            <p:ph type="body" idx="1"/>
+          </p:nvPr>
+        </p:nvSpPr>
+        <p:spPr/>
+        <p:txBody>
+          <a:bodyPr/>
+          <a:lstStyle/>
+          <a:p>
+            <a:endParaRPr lang="en-US" dirty="0"/>
+          </a:p>
+        </p:txBody>
+      </p:sp>
+      <p:sp>
+        <p:nvSpPr>
+          <p:cNvPr id="4" name="Slide Number Placeholder 3"/>
+          <p:cNvSpPr>
+            <a:spLocks noGrp="1"/>
+          </p:cNvSpPr>
+          <p:nvPr>
+            <p:ph type="sldNum" sz="quarter" idx="5"/>
+          </p:nvPr>
+        </p:nvSpPr>
+        <p:spPr/>
+        <p:txBody>
+          <a:bodyPr/>
+          <a:lstStyle/>
+          <a:p>
+            <a:fld id="{CFED664B-377C-4B68-AF4E-EBDA643118DF}" type="slidenum">
+              <a:rPr lang="en-US" smtClean="0"/>
+              <a:t>11</a:t>
+            </a:fld>
+            <a:endParaRPr lang="en-US" dirty="0"/>
+          </a:p>
+        </p:txBody>
+      </p:sp>
+    </p:spTree>
+    <p:extLst>
+      <p:ext uri="{BB962C8B-B14F-4D97-AF65-F5344CB8AC3E}">
+        <p14:creationId xmlns:p14="http://schemas.microsoft.com/office/powerpoint/2010/main" val="7715473"/>
+      </p:ext>
+    </p:extLst>
+  </p:cSld>
+  <p:clrMapOvr>
+    <a:masterClrMapping/>
+  </p:clrMapOvr>
+</p:notes>
+</file>
+
+<file path=ppt/notesSlides/notesSlide12.xml><?xml version="1.0" encoding="utf-8"?>
+<p:notes xmlns:a="http://schemas.openxmlformats.org/drawingml/2006/main" xmlns:r="http://schemas.openxmlformats.org/officeDocument/2006/relationships" xmlns:p="http://schemas.openxmlformats.org/presentationml/2006/main">
+  <p:cSld>
+    <p:spTree>
+      <p:nvGrpSpPr>
+        <p:cNvPr id="1" name=""/>
+        <p:cNvGrpSpPr/>
+        <p:nvPr/>
+      </p:nvGrpSpPr>
+      <p:grpSpPr>
+        <a:xfrm>
+          <a:off x="0" y="0"/>
+          <a:ext cx="0" cy="0"/>
+          <a:chOff x="0" y="0"/>
+          <a:chExt cx="0" cy="0"/>
+        </a:xfrm>
+      </p:grpSpPr>
+      <p:sp>
+        <p:nvSpPr>
+          <p:cNvPr id="2" name="Slide Image Placeholder 1"/>
+          <p:cNvSpPr>
+            <a:spLocks noGrp="1" noRot="1" noChangeAspect="1"/>
+          </p:cNvSpPr>
+          <p:nvPr>
+            <p:ph type="sldImg"/>
+          </p:nvPr>
+        </p:nvSpPr>
+        <p:spPr/>
+      </p:sp>
+      <p:sp>
+        <p:nvSpPr>
+          <p:cNvPr id="3" name="Notes Placeholder 2"/>
+          <p:cNvSpPr>
+            <a:spLocks noGrp="1"/>
+          </p:cNvSpPr>
+          <p:nvPr>
+            <p:ph type="body" idx="1"/>
+          </p:nvPr>
+        </p:nvSpPr>
+        <p:spPr/>
+        <p:txBody>
+          <a:bodyPr/>
+          <a:lstStyle/>
+          <a:p>
+            <a:endParaRPr lang="en-US" dirty="0"/>
+          </a:p>
+        </p:txBody>
+      </p:sp>
+      <p:sp>
+        <p:nvSpPr>
+          <p:cNvPr id="4" name="Slide Number Placeholder 3"/>
+          <p:cNvSpPr>
+            <a:spLocks noGrp="1"/>
+          </p:cNvSpPr>
+          <p:nvPr>
+            <p:ph type="sldNum" sz="quarter" idx="5"/>
+          </p:nvPr>
+        </p:nvSpPr>
+        <p:spPr/>
+        <p:txBody>
+          <a:bodyPr/>
+          <a:lstStyle/>
+          <a:p>
+            <a:fld id="{CFED664B-377C-4B68-AF4E-EBDA643118DF}" type="slidenum">
+              <a:rPr lang="en-US" smtClean="0"/>
+              <a:t>12</a:t>
+            </a:fld>
+            <a:endParaRPr lang="en-US" dirty="0"/>
+          </a:p>
+        </p:txBody>
+      </p:sp>
+    </p:spTree>
+    <p:extLst>
+      <p:ext uri="{BB962C8B-B14F-4D97-AF65-F5344CB8AC3E}">
+        <p14:creationId xmlns:p14="http://schemas.microsoft.com/office/powerpoint/2010/main" val="1977252610"/>
+      </p:ext>
+    </p:extLst>
+  </p:cSld>
+  <p:clrMapOvr>
+    <a:masterClrMapping/>
+  </p:clrMapOvr>
+</p:notes>
+</file>
+
+<file path=ppt/notesSlides/notesSlide13.xml><?xml version="1.0" encoding="utf-8"?>
+<p:notes xmlns:a="http://schemas.openxmlformats.org/drawingml/2006/main" xmlns:r="http://schemas.openxmlformats.org/officeDocument/2006/relationships" xmlns:p="http://schemas.openxmlformats.org/presentationml/2006/main">
+  <p:cSld>
+    <p:spTree>
+      <p:nvGrpSpPr>
+        <p:cNvPr id="1" name=""/>
+        <p:cNvGrpSpPr/>
+        <p:nvPr/>
+      </p:nvGrpSpPr>
+      <p:grpSpPr>
+        <a:xfrm>
+          <a:off x="0" y="0"/>
+          <a:ext cx="0" cy="0"/>
+          <a:chOff x="0" y="0"/>
+          <a:chExt cx="0" cy="0"/>
+        </a:xfrm>
+      </p:grpSpPr>
+      <p:sp>
+        <p:nvSpPr>
+          <p:cNvPr id="2" name="Slide Image Placeholder 1"/>
+          <p:cNvSpPr>
+            <a:spLocks noGrp="1" noRot="1" noChangeAspect="1"/>
+          </p:cNvSpPr>
+          <p:nvPr>
+            <p:ph type="sldImg"/>
+          </p:nvPr>
+        </p:nvSpPr>
+        <p:spPr/>
+      </p:sp>
+      <p:sp>
+        <p:nvSpPr>
+          <p:cNvPr id="3" name="Notes Placeholder 2"/>
+          <p:cNvSpPr>
+            <a:spLocks noGrp="1"/>
+          </p:cNvSpPr>
+          <p:nvPr>
+            <p:ph type="body" idx="1"/>
+          </p:nvPr>
+        </p:nvSpPr>
+        <p:spPr/>
+        <p:txBody>
+          <a:bodyPr/>
+          <a:lstStyle/>
+          <a:p>
+            <a:endParaRPr lang="en-US" dirty="0"/>
+          </a:p>
+        </p:txBody>
+      </p:sp>
+      <p:sp>
+        <p:nvSpPr>
+          <p:cNvPr id="4" name="Slide Number Placeholder 3"/>
+          <p:cNvSpPr>
+            <a:spLocks noGrp="1"/>
+          </p:cNvSpPr>
+          <p:nvPr>
+            <p:ph type="sldNum" sz="quarter" idx="5"/>
+          </p:nvPr>
+        </p:nvSpPr>
+        <p:spPr/>
+        <p:txBody>
+          <a:bodyPr/>
+          <a:lstStyle/>
+          <a:p>
+            <a:fld id="{CFED664B-377C-4B68-AF4E-EBDA643118DF}" type="slidenum">
+              <a:rPr lang="en-US" smtClean="0"/>
+              <a:t>13</a:t>
+            </a:fld>
+            <a:endParaRPr lang="en-US" dirty="0"/>
+          </a:p>
+        </p:txBody>
+      </p:sp>
+    </p:spTree>
+    <p:extLst>
+      <p:ext uri="{BB962C8B-B14F-4D97-AF65-F5344CB8AC3E}">
+        <p14:creationId xmlns:p14="http://schemas.microsoft.com/office/powerpoint/2010/main" val="2035080050"/>
+      </p:ext>
+    </p:extLst>
+  </p:cSld>
+  <p:clrMapOvr>
+    <a:masterClrMapping/>
+  </p:clrMapOvr>
+</p:notes>
+</file>
+
 <file path=ppt/notesSlides/notesSlide2.xml><?xml version="1.0" encoding="utf-8"?>
 <p:notes xmlns:a="http://schemas.openxmlformats.org/drawingml/2006/main" xmlns:r="http://schemas.openxmlformats.org/officeDocument/2006/relationships" xmlns:p="http://schemas.openxmlformats.org/presentationml/2006/main">
   <p:cSld>
@@ -7240,7 +7589,7 @@
     </p:spTree>
     <p:extLst>
       <p:ext uri="{BB962C8B-B14F-4D97-AF65-F5344CB8AC3E}">
-        <p14:creationId xmlns:p14="http://schemas.microsoft.com/office/powerpoint/2010/main" val="693570792"/>
+        <p14:creationId xmlns:p14="http://schemas.microsoft.com/office/powerpoint/2010/main" val="3050018501"/>
       </p:ext>
     </p:extLst>
   </p:cSld>
@@ -7324,7 +7673,7 @@
     </p:spTree>
     <p:extLst>
       <p:ext uri="{BB962C8B-B14F-4D97-AF65-F5344CB8AC3E}">
-        <p14:creationId xmlns:p14="http://schemas.microsoft.com/office/powerpoint/2010/main" val="1117731239"/>
+        <p14:creationId xmlns:p14="http://schemas.microsoft.com/office/powerpoint/2010/main" val="693570792"/>
       </p:ext>
     </p:extLst>
   </p:cSld>
@@ -7408,7 +7757,7 @@
     </p:spTree>
     <p:extLst>
       <p:ext uri="{BB962C8B-B14F-4D97-AF65-F5344CB8AC3E}">
-        <p14:creationId xmlns:p14="http://schemas.microsoft.com/office/powerpoint/2010/main" val="3050018501"/>
+        <p14:creationId xmlns:p14="http://schemas.microsoft.com/office/powerpoint/2010/main" val="1117731239"/>
       </p:ext>
     </p:extLst>
   </p:cSld>
@@ -7744,7 +8093,7 @@
     </p:spTree>
     <p:extLst>
       <p:ext uri="{BB962C8B-B14F-4D97-AF65-F5344CB8AC3E}">
-        <p14:creationId xmlns:p14="http://schemas.microsoft.com/office/powerpoint/2010/main" val="174864805"/>
+        <p14:creationId xmlns:p14="http://schemas.microsoft.com/office/powerpoint/2010/main" val="3988305426"/>
       </p:ext>
     </p:extLst>
   </p:cSld>
@@ -7828,7 +8177,7 @@
     </p:spTree>
     <p:extLst>
       <p:ext uri="{BB962C8B-B14F-4D97-AF65-F5344CB8AC3E}">
-        <p14:creationId xmlns:p14="http://schemas.microsoft.com/office/powerpoint/2010/main" val="3988305426"/>
+        <p14:creationId xmlns:p14="http://schemas.microsoft.com/office/powerpoint/2010/main" val="2036701102"/>
       </p:ext>
     </p:extLst>
   </p:cSld>
@@ -11340,7 +11689,657 @@
 </p:sld>
 </file>
 
+<file path=ppt/slides/slide10.xml><?xml version="1.0" encoding="utf-8"?>
+<p:sld xmlns:a="http://schemas.openxmlformats.org/drawingml/2006/main" xmlns:r="http://schemas.openxmlformats.org/officeDocument/2006/relationships" xmlns:p="http://schemas.openxmlformats.org/presentationml/2006/main">
+  <p:cSld>
+    <p:spTree>
+      <p:nvGrpSpPr>
+        <p:cNvPr id="1" name=""/>
+        <p:cNvGrpSpPr/>
+        <p:nvPr/>
+      </p:nvGrpSpPr>
+      <p:grpSpPr>
+        <a:xfrm>
+          <a:off x="0" y="0"/>
+          <a:ext cx="0" cy="0"/>
+          <a:chOff x="0" y="0"/>
+          <a:chExt cx="0" cy="0"/>
+        </a:xfrm>
+      </p:grpSpPr>
+      <p:pic>
+        <p:nvPicPr>
+          <p:cNvPr id="6" name="Picture 5" descr="Chart, line chart&#10;&#10;Description automatically generated">
+            <a:extLst>
+              <a:ext uri="{FF2B5EF4-FFF2-40B4-BE49-F238E27FC236}">
+                <a16:creationId xmlns:a16="http://schemas.microsoft.com/office/drawing/2014/main" id="{A4FA570F-64B5-362F-1D8B-536CAB111972}"/>
+              </a:ext>
+            </a:extLst>
+          </p:cNvPr>
+          <p:cNvPicPr>
+            <a:picLocks noChangeAspect="1"/>
+          </p:cNvPicPr>
+          <p:nvPr/>
+        </p:nvPicPr>
+        <p:blipFill>
+          <a:blip r:embed="rId3"/>
+          <a:stretch>
+            <a:fillRect/>
+          </a:stretch>
+        </p:blipFill>
+        <p:spPr>
+          <a:xfrm>
+            <a:off x="381000" y="0"/>
+            <a:ext cx="11430000" cy="6858000"/>
+          </a:xfrm>
+          <a:prstGeom prst="rect">
+            <a:avLst/>
+          </a:prstGeom>
+        </p:spPr>
+      </p:pic>
+    </p:spTree>
+    <p:extLst>
+      <p:ext uri="{BB962C8B-B14F-4D97-AF65-F5344CB8AC3E}">
+        <p14:creationId xmlns:p14="http://schemas.microsoft.com/office/powerpoint/2010/main" val="3120858485"/>
+      </p:ext>
+    </p:extLst>
+  </p:cSld>
+  <p:clrMapOvr>
+    <a:masterClrMapping/>
+  </p:clrMapOvr>
+</p:sld>
+</file>
+
+<file path=ppt/slides/slide11.xml><?xml version="1.0" encoding="utf-8"?>
+<p:sld xmlns:a="http://schemas.openxmlformats.org/drawingml/2006/main" xmlns:r="http://schemas.openxmlformats.org/officeDocument/2006/relationships" xmlns:p="http://schemas.openxmlformats.org/presentationml/2006/main">
+  <p:cSld>
+    <p:spTree>
+      <p:nvGrpSpPr>
+        <p:cNvPr id="1" name=""/>
+        <p:cNvGrpSpPr/>
+        <p:nvPr/>
+      </p:nvGrpSpPr>
+      <p:grpSpPr>
+        <a:xfrm>
+          <a:off x="0" y="0"/>
+          <a:ext cx="0" cy="0"/>
+          <a:chOff x="0" y="0"/>
+          <a:chExt cx="0" cy="0"/>
+        </a:xfrm>
+      </p:grpSpPr>
+      <p:pic>
+        <p:nvPicPr>
+          <p:cNvPr id="3" name="Picture 2" descr="Chart, line chart, histogram&#10;&#10;Description automatically generated">
+            <a:extLst>
+              <a:ext uri="{FF2B5EF4-FFF2-40B4-BE49-F238E27FC236}">
+                <a16:creationId xmlns:a16="http://schemas.microsoft.com/office/drawing/2014/main" id="{A3D0DA23-6E0C-E2BD-1EC5-8C383E34880F}"/>
+              </a:ext>
+            </a:extLst>
+          </p:cNvPr>
+          <p:cNvPicPr>
+            <a:picLocks noChangeAspect="1"/>
+          </p:cNvPicPr>
+          <p:nvPr/>
+        </p:nvPicPr>
+        <p:blipFill>
+          <a:blip r:embed="rId3"/>
+          <a:stretch>
+            <a:fillRect/>
+          </a:stretch>
+        </p:blipFill>
+        <p:spPr>
+          <a:xfrm>
+            <a:off x="381000" y="0"/>
+            <a:ext cx="11430000" cy="6858000"/>
+          </a:xfrm>
+          <a:prstGeom prst="rect">
+            <a:avLst/>
+          </a:prstGeom>
+        </p:spPr>
+      </p:pic>
+    </p:spTree>
+    <p:extLst>
+      <p:ext uri="{BB962C8B-B14F-4D97-AF65-F5344CB8AC3E}">
+        <p14:creationId xmlns:p14="http://schemas.microsoft.com/office/powerpoint/2010/main" val="1581332847"/>
+      </p:ext>
+    </p:extLst>
+  </p:cSld>
+  <p:clrMapOvr>
+    <a:masterClrMapping/>
+  </p:clrMapOvr>
+</p:sld>
+</file>
+
+<file path=ppt/slides/slide12.xml><?xml version="1.0" encoding="utf-8"?>
+<p:sld xmlns:a="http://schemas.openxmlformats.org/drawingml/2006/main" xmlns:r="http://schemas.openxmlformats.org/officeDocument/2006/relationships" xmlns:p="http://schemas.openxmlformats.org/presentationml/2006/main">
+  <p:cSld>
+    <p:spTree>
+      <p:nvGrpSpPr>
+        <p:cNvPr id="1" name=""/>
+        <p:cNvGrpSpPr/>
+        <p:nvPr/>
+      </p:nvGrpSpPr>
+      <p:grpSpPr>
+        <a:xfrm>
+          <a:off x="0" y="0"/>
+          <a:ext cx="0" cy="0"/>
+          <a:chOff x="0" y="0"/>
+          <a:chExt cx="0" cy="0"/>
+        </a:xfrm>
+      </p:grpSpPr>
+      <p:pic>
+        <p:nvPicPr>
+          <p:cNvPr id="3" name="Picture 2" descr="Chart, histogram&#10;&#10;Description automatically generated">
+            <a:extLst>
+              <a:ext uri="{FF2B5EF4-FFF2-40B4-BE49-F238E27FC236}">
+                <a16:creationId xmlns:a16="http://schemas.microsoft.com/office/drawing/2014/main" id="{7A1017CF-231E-DD16-605B-3645E7F8A3A9}"/>
+              </a:ext>
+            </a:extLst>
+          </p:cNvPr>
+          <p:cNvPicPr>
+            <a:picLocks noChangeAspect="1"/>
+          </p:cNvPicPr>
+          <p:nvPr/>
+        </p:nvPicPr>
+        <p:blipFill>
+          <a:blip r:embed="rId3"/>
+          <a:stretch>
+            <a:fillRect/>
+          </a:stretch>
+        </p:blipFill>
+        <p:spPr>
+          <a:xfrm>
+            <a:off x="381000" y="0"/>
+            <a:ext cx="11430000" cy="6858000"/>
+          </a:xfrm>
+          <a:prstGeom prst="rect">
+            <a:avLst/>
+          </a:prstGeom>
+        </p:spPr>
+      </p:pic>
+    </p:spTree>
+    <p:extLst>
+      <p:ext uri="{BB962C8B-B14F-4D97-AF65-F5344CB8AC3E}">
+        <p14:creationId xmlns:p14="http://schemas.microsoft.com/office/powerpoint/2010/main" val="1492350881"/>
+      </p:ext>
+    </p:extLst>
+  </p:cSld>
+  <p:clrMapOvr>
+    <a:masterClrMapping/>
+  </p:clrMapOvr>
+</p:sld>
+</file>
+
+<file path=ppt/slides/slide13.xml><?xml version="1.0" encoding="utf-8"?>
+<p:sld xmlns:a="http://schemas.openxmlformats.org/drawingml/2006/main" xmlns:r="http://schemas.openxmlformats.org/officeDocument/2006/relationships" xmlns:p="http://schemas.openxmlformats.org/presentationml/2006/main">
+  <p:cSld>
+    <p:spTree>
+      <p:nvGrpSpPr>
+        <p:cNvPr id="1" name=""/>
+        <p:cNvGrpSpPr/>
+        <p:nvPr/>
+      </p:nvGrpSpPr>
+      <p:grpSpPr>
+        <a:xfrm>
+          <a:off x="0" y="0"/>
+          <a:ext cx="0" cy="0"/>
+          <a:chOff x="0" y="0"/>
+          <a:chExt cx="0" cy="0"/>
+        </a:xfrm>
+      </p:grpSpPr>
+      <p:pic>
+        <p:nvPicPr>
+          <p:cNvPr id="3" name="Picture 2" descr="Chart, line chart&#10;&#10;Description automatically generated">
+            <a:extLst>
+              <a:ext uri="{FF2B5EF4-FFF2-40B4-BE49-F238E27FC236}">
+                <a16:creationId xmlns:a16="http://schemas.microsoft.com/office/drawing/2014/main" id="{EADC47D3-B044-A68C-A33E-54FCA837EB5F}"/>
+              </a:ext>
+            </a:extLst>
+          </p:cNvPr>
+          <p:cNvPicPr>
+            <a:picLocks noChangeAspect="1"/>
+          </p:cNvPicPr>
+          <p:nvPr/>
+        </p:nvPicPr>
+        <p:blipFill>
+          <a:blip r:embed="rId3"/>
+          <a:stretch>
+            <a:fillRect/>
+          </a:stretch>
+        </p:blipFill>
+        <p:spPr>
+          <a:xfrm>
+            <a:off x="381000" y="0"/>
+            <a:ext cx="11430000" cy="6858000"/>
+          </a:xfrm>
+          <a:prstGeom prst="rect">
+            <a:avLst/>
+          </a:prstGeom>
+        </p:spPr>
+      </p:pic>
+    </p:spTree>
+    <p:extLst>
+      <p:ext uri="{BB962C8B-B14F-4D97-AF65-F5344CB8AC3E}">
+        <p14:creationId xmlns:p14="http://schemas.microsoft.com/office/powerpoint/2010/main" val="4139444695"/>
+      </p:ext>
+    </p:extLst>
+  </p:cSld>
+  <p:clrMapOvr>
+    <a:masterClrMapping/>
+  </p:clrMapOvr>
+</p:sld>
+</file>
+
+<file path=ppt/slides/slide14.xml><?xml version="1.0" encoding="utf-8"?>
+<p:sld xmlns:a="http://schemas.openxmlformats.org/drawingml/2006/main" xmlns:r="http://schemas.openxmlformats.org/officeDocument/2006/relationships" xmlns:p="http://schemas.openxmlformats.org/presentationml/2006/main">
+  <p:cSld>
+    <p:spTree>
+      <p:nvGrpSpPr>
+        <p:cNvPr id="1" name=""/>
+        <p:cNvGrpSpPr/>
+        <p:nvPr/>
+      </p:nvGrpSpPr>
+      <p:grpSpPr>
+        <a:xfrm>
+          <a:off x="0" y="0"/>
+          <a:ext cx="0" cy="0"/>
+          <a:chOff x="0" y="0"/>
+          <a:chExt cx="0" cy="0"/>
+        </a:xfrm>
+      </p:grpSpPr>
+      <p:sp>
+        <p:nvSpPr>
+          <p:cNvPr id="2" name="Title 1">
+            <a:extLst>
+              <a:ext uri="{FF2B5EF4-FFF2-40B4-BE49-F238E27FC236}">
+                <a16:creationId xmlns:a16="http://schemas.microsoft.com/office/drawing/2014/main" id="{4B7EF2A9-B154-08AA-6683-D68FBA29973C}"/>
+              </a:ext>
+            </a:extLst>
+          </p:cNvPr>
+          <p:cNvSpPr>
+            <a:spLocks noGrp="1"/>
+          </p:cNvSpPr>
+          <p:nvPr>
+            <p:ph type="title"/>
+          </p:nvPr>
+        </p:nvSpPr>
+        <p:spPr/>
+        <p:txBody>
+          <a:bodyPr/>
+          <a:lstStyle/>
+          <a:p>
+            <a:endParaRPr lang="en-US"/>
+          </a:p>
+        </p:txBody>
+      </p:sp>
+      <p:sp>
+        <p:nvSpPr>
+          <p:cNvPr id="3" name="Content Placeholder 2">
+            <a:extLst>
+              <a:ext uri="{FF2B5EF4-FFF2-40B4-BE49-F238E27FC236}">
+                <a16:creationId xmlns:a16="http://schemas.microsoft.com/office/drawing/2014/main" id="{412BD3F3-B175-D080-2BE4-E4FAD7533F7A}"/>
+              </a:ext>
+            </a:extLst>
+          </p:cNvPr>
+          <p:cNvSpPr>
+            <a:spLocks noGrp="1"/>
+          </p:cNvSpPr>
+          <p:nvPr>
+            <p:ph idx="1"/>
+          </p:nvPr>
+        </p:nvSpPr>
+        <p:spPr/>
+        <p:txBody>
+          <a:bodyPr/>
+          <a:lstStyle/>
+          <a:p>
+            <a:endParaRPr lang="en-US"/>
+          </a:p>
+        </p:txBody>
+      </p:sp>
+    </p:spTree>
+    <p:extLst>
+      <p:ext uri="{BB962C8B-B14F-4D97-AF65-F5344CB8AC3E}">
+        <p14:creationId xmlns:p14="http://schemas.microsoft.com/office/powerpoint/2010/main" val="498601585"/>
+      </p:ext>
+    </p:extLst>
+  </p:cSld>
+  <p:clrMapOvr>
+    <a:masterClrMapping/>
+  </p:clrMapOvr>
+</p:sld>
+</file>
+
 <file path=ppt/slides/slide2.xml><?xml version="1.0" encoding="utf-8"?>
+<p:sld xmlns:a="http://schemas.openxmlformats.org/drawingml/2006/main" xmlns:r="http://schemas.openxmlformats.org/officeDocument/2006/relationships" xmlns:p="http://schemas.openxmlformats.org/presentationml/2006/main">
+  <p:cSld>
+    <p:bg>
+      <p:bgPr>
+        <a:solidFill>
+          <a:schemeClr val="bg1">
+            <a:lumMod val="95000"/>
+          </a:schemeClr>
+        </a:solidFill>
+        <a:effectLst/>
+      </p:bgPr>
+    </p:bg>
+    <p:spTree>
+      <p:nvGrpSpPr>
+        <p:cNvPr id="1" name=""/>
+        <p:cNvGrpSpPr/>
+        <p:nvPr/>
+      </p:nvGrpSpPr>
+      <p:grpSpPr>
+        <a:xfrm>
+          <a:off x="0" y="0"/>
+          <a:ext cx="0" cy="0"/>
+          <a:chOff x="0" y="0"/>
+          <a:chExt cx="0" cy="0"/>
+        </a:xfrm>
+      </p:grpSpPr>
+      <p:sp>
+        <p:nvSpPr>
+          <p:cNvPr id="2" name="Title 1">
+            <a:extLst>
+              <a:ext uri="{FF2B5EF4-FFF2-40B4-BE49-F238E27FC236}">
+                <a16:creationId xmlns:a16="http://schemas.microsoft.com/office/drawing/2014/main" id="{51F70220-677A-411B-B416-94321A555329}"/>
+              </a:ext>
+            </a:extLst>
+          </p:cNvPr>
+          <p:cNvSpPr>
+            <a:spLocks noGrp="1"/>
+          </p:cNvSpPr>
+          <p:nvPr>
+            <p:ph type="title"/>
+          </p:nvPr>
+        </p:nvSpPr>
+        <p:spPr>
+          <a:xfrm>
+            <a:off x="804672" y="964692"/>
+            <a:ext cx="4476806" cy="1188720"/>
+          </a:xfrm>
+        </p:spPr>
+        <p:txBody>
+          <a:bodyPr vert="horz" lIns="182880" tIns="182880" rIns="182880" bIns="182880" rtlCol="0">
+            <a:normAutofit/>
+          </a:bodyPr>
+          <a:lstStyle/>
+          <a:p>
+            <a:br>
+              <a:rPr lang="en-US" sz="2000" dirty="0"/>
+            </a:br>
+            <a:r>
+              <a:rPr lang="en-US" sz="2000" dirty="0"/>
+              <a:t>Overview</a:t>
+            </a:r>
+            <a:br>
+              <a:rPr lang="en-US" sz="2000" dirty="0"/>
+            </a:br>
+            <a:endParaRPr lang="en-US" sz="2000" dirty="0"/>
+          </a:p>
+        </p:txBody>
+      </p:sp>
+      <p:sp>
+        <p:nvSpPr>
+          <p:cNvPr id="3" name="Content Placeholder 2">
+            <a:extLst>
+              <a:ext uri="{FF2B5EF4-FFF2-40B4-BE49-F238E27FC236}">
+                <a16:creationId xmlns:a16="http://schemas.microsoft.com/office/drawing/2014/main" id="{667D1328-A694-4327-A93A-3D919FD65B27}"/>
+              </a:ext>
+            </a:extLst>
+          </p:cNvPr>
+          <p:cNvSpPr>
+            <a:spLocks noGrp="1"/>
+          </p:cNvSpPr>
+          <p:nvPr>
+            <p:ph idx="1"/>
+          </p:nvPr>
+        </p:nvSpPr>
+        <p:spPr>
+          <a:xfrm>
+            <a:off x="803244" y="2638044"/>
+            <a:ext cx="4492932" cy="3263206"/>
+          </a:xfrm>
+        </p:spPr>
+        <p:txBody>
+          <a:bodyPr>
+            <a:normAutofit/>
+          </a:bodyPr>
+          <a:lstStyle/>
+          <a:p>
+            <a:r>
+              <a:rPr lang="en-US" dirty="0"/>
+              <a:t>Objective:</a:t>
+            </a:r>
+          </a:p>
+          <a:p>
+            <a:pPr lvl="1"/>
+            <a:r>
+              <a:rPr lang="en-US" dirty="0"/>
+              <a:t>Create and compare sentiment-based trading (simple), ML strategy, and HODL approach</a:t>
+            </a:r>
+          </a:p>
+          <a:p>
+            <a:r>
+              <a:rPr lang="en-US" dirty="0">
+                <a:latin typeface="-apple-system"/>
+              </a:rPr>
+              <a:t>Start with $1,000 base investment to see profits/losses</a:t>
+            </a:r>
+          </a:p>
+          <a:p>
+            <a:r>
+              <a:rPr lang="en-US" dirty="0"/>
+              <a:t>Time Frame: 1-2 years</a:t>
+            </a:r>
+          </a:p>
+          <a:p>
+            <a:pPr marL="0" indent="0">
+              <a:buNone/>
+            </a:pPr>
+            <a:endParaRPr lang="en-US" dirty="0">
+              <a:latin typeface="-apple-system"/>
+            </a:endParaRPr>
+          </a:p>
+          <a:p>
+            <a:pPr marL="0" indent="0">
+              <a:buNone/>
+            </a:pPr>
+            <a:endParaRPr lang="en-US" dirty="0">
+              <a:latin typeface="-apple-system"/>
+            </a:endParaRPr>
+          </a:p>
+          <a:p>
+            <a:endParaRPr lang="en-US" dirty="0"/>
+          </a:p>
+        </p:txBody>
+      </p:sp>
+      <p:sp>
+        <p:nvSpPr>
+          <p:cNvPr id="3101" name="Rectangle 3100">
+            <a:extLst>
+              <a:ext uri="{FF2B5EF4-FFF2-40B4-BE49-F238E27FC236}">
+                <a16:creationId xmlns:a16="http://schemas.microsoft.com/office/drawing/2014/main" id="{56533F40-045E-4E3D-9243-864CD4E58669}"/>
+              </a:ext>
+              <a:ext uri="{C183D7F6-B498-43B3-948B-1728B52AA6E4}">
+                <adec:decorative xmlns:adec="http://schemas.microsoft.com/office/drawing/2017/decorative" val="1"/>
+              </a:ext>
+            </a:extLst>
+          </p:cNvPr>
+          <p:cNvSpPr>
+            <a:spLocks noGrp="1" noRot="1" noChangeAspect="1" noMove="1" noResize="1" noEditPoints="1" noAdjustHandles="1" noChangeArrowheads="1" noChangeShapeType="1" noTextEdit="1"/>
+          </p:cNvSpPr>
+          <p:nvPr>
+            <p:extLst>
+              <p:ext uri="{386F3935-93C4-4BCD-93E2-E3B085C9AB24}">
+                <p16:designElem xmlns:p16="http://schemas.microsoft.com/office/powerpoint/2015/main" val="1"/>
+              </p:ext>
+            </p:extLst>
+          </p:nvPr>
+        </p:nvSpPr>
+        <p:spPr>
+          <a:xfrm>
+            <a:off x="5943605" y="964692"/>
+            <a:ext cx="5440680" cy="4936558"/>
+          </a:xfrm>
+          <a:prstGeom prst="rect">
+            <a:avLst/>
+          </a:prstGeom>
+          <a:noFill/>
+          <a:ln w="31750" cap="sq">
+            <a:solidFill>
+              <a:srgbClr val="FFFFFF"/>
+            </a:solidFill>
+            <a:miter lim="800000"/>
+          </a:ln>
+        </p:spPr>
+        <p:style>
+          <a:lnRef idx="2">
+            <a:schemeClr val="accent1">
+              <a:shade val="50000"/>
+            </a:schemeClr>
+          </a:lnRef>
+          <a:fillRef idx="1">
+            <a:schemeClr val="accent1"/>
+          </a:fillRef>
+          <a:effectRef idx="0">
+            <a:schemeClr val="accent1"/>
+          </a:effectRef>
+          <a:fontRef idx="minor">
+            <a:schemeClr val="lt1"/>
+          </a:fontRef>
+        </p:style>
+        <p:txBody>
+          <a:bodyPr rtlCol="0" anchor="ctr"/>
+          <a:lstStyle/>
+          <a:p>
+            <a:pPr algn="ctr"/>
+            <a:endParaRPr lang="en-US" dirty="0"/>
+          </a:p>
+        </p:txBody>
+      </p:sp>
+      <p:sp>
+        <p:nvSpPr>
+          <p:cNvPr id="3103" name="Rectangle 3102">
+            <a:extLst>
+              <a:ext uri="{FF2B5EF4-FFF2-40B4-BE49-F238E27FC236}">
+                <a16:creationId xmlns:a16="http://schemas.microsoft.com/office/drawing/2014/main" id="{30402EC6-D845-41B3-BEBE-CB34D9BFEA60}"/>
+              </a:ext>
+              <a:ext uri="{C183D7F6-B498-43B3-948B-1728B52AA6E4}">
+                <adec:decorative xmlns:adec="http://schemas.microsoft.com/office/drawing/2017/decorative" val="1"/>
+              </a:ext>
+            </a:extLst>
+          </p:cNvPr>
+          <p:cNvSpPr>
+            <a:spLocks noGrp="1" noRot="1" noChangeAspect="1" noMove="1" noResize="1" noEditPoints="1" noAdjustHandles="1" noChangeArrowheads="1" noChangeShapeType="1" noTextEdit="1"/>
+          </p:cNvSpPr>
+          <p:nvPr>
+            <p:extLst>
+              <p:ext uri="{386F3935-93C4-4BCD-93E2-E3B085C9AB24}">
+                <p16:designElem xmlns:p16="http://schemas.microsoft.com/office/powerpoint/2015/main" val="1"/>
+              </p:ext>
+            </p:extLst>
+          </p:nvPr>
+        </p:nvSpPr>
+        <p:spPr>
+          <a:xfrm>
+            <a:off x="6110699" y="1128683"/>
+            <a:ext cx="5106493" cy="4608576"/>
+          </a:xfrm>
+          <a:prstGeom prst="rect">
+            <a:avLst/>
+          </a:prstGeom>
+          <a:solidFill>
+            <a:srgbClr val="FFFFFF"/>
+          </a:solidFill>
+          <a:ln>
+            <a:noFill/>
+          </a:ln>
+        </p:spPr>
+        <p:style>
+          <a:lnRef idx="2">
+            <a:schemeClr val="accent1">
+              <a:shade val="50000"/>
+            </a:schemeClr>
+          </a:lnRef>
+          <a:fillRef idx="1">
+            <a:schemeClr val="accent1"/>
+          </a:fillRef>
+          <a:effectRef idx="0">
+            <a:schemeClr val="accent1"/>
+          </a:effectRef>
+          <a:fontRef idx="minor">
+            <a:schemeClr val="lt1"/>
+          </a:fontRef>
+        </p:style>
+        <p:txBody>
+          <a:bodyPr rtlCol="0" anchor="ctr"/>
+          <a:lstStyle/>
+          <a:p>
+            <a:pPr algn="ctr"/>
+            <a:endParaRPr lang="en-US"/>
+          </a:p>
+        </p:txBody>
+      </p:sp>
+      <p:pic>
+        <p:nvPicPr>
+          <p:cNvPr id="3076" name="Picture 4" descr="The Russian fintech scene in the spotlight - Emerging Europe">
+            <a:extLst>
+              <a:ext uri="{FF2B5EF4-FFF2-40B4-BE49-F238E27FC236}">
+                <a16:creationId xmlns:a16="http://schemas.microsoft.com/office/drawing/2014/main" id="{45C8429F-2FB8-4396-0485-F7862CC7E946}"/>
+              </a:ext>
+            </a:extLst>
+          </p:cNvPr>
+          <p:cNvPicPr>
+            <a:picLocks noChangeAspect="1" noChangeArrowheads="1"/>
+          </p:cNvPicPr>
+          <p:nvPr/>
+        </p:nvPicPr>
+        <p:blipFill>
+          <a:blip r:embed="rId3">
+            <a:extLst>
+              <a:ext uri="{28A0092B-C50C-407E-A947-70E740481C1C}">
+                <a14:useLocalDpi xmlns:a14="http://schemas.microsoft.com/office/drawing/2010/main" val="0"/>
+              </a:ext>
+            </a:extLst>
+          </a:blip>
+          <a:stretch>
+            <a:fillRect/>
+          </a:stretch>
+        </p:blipFill>
+        <p:spPr bwMode="auto">
+          <a:xfrm>
+            <a:off x="6272789" y="2087946"/>
+            <a:ext cx="4782312" cy="2690050"/>
+          </a:xfrm>
+          <a:prstGeom prst="rect">
+            <a:avLst/>
+          </a:prstGeom>
+          <a:noFill/>
+          <a:extLst>
+            <a:ext uri="{909E8E84-426E-40DD-AFC4-6F175D3DCCD1}">
+              <a14:hiddenFill xmlns:a14="http://schemas.microsoft.com/office/drawing/2010/main">
+                <a:solidFill>
+                  <a:srgbClr val="FFFFFF"/>
+                </a:solidFill>
+              </a14:hiddenFill>
+            </a:ext>
+          </a:extLst>
+        </p:spPr>
+      </p:pic>
+    </p:spTree>
+    <p:extLst>
+      <p:ext uri="{BB962C8B-B14F-4D97-AF65-F5344CB8AC3E}">
+        <p14:creationId xmlns:p14="http://schemas.microsoft.com/office/powerpoint/2010/main" val="2673849116"/>
+      </p:ext>
+    </p:extLst>
+  </p:cSld>
+  <p:clrMapOvr>
+    <a:masterClrMapping/>
+  </p:clrMapOvr>
+</p:sld>
+</file>
+
+<file path=ppt/slides/slide3.xml><?xml version="1.0" encoding="utf-8"?>
 <p:sld xmlns:a="http://schemas.openxmlformats.org/drawingml/2006/main" xmlns:r="http://schemas.openxmlformats.org/officeDocument/2006/relationships" xmlns:p="http://schemas.openxmlformats.org/presentationml/2006/main">
   <p:cSld>
     <p:bg>
@@ -11972,7 +12971,7 @@
 </p:sld>
 </file>
 
-<file path=ppt/slides/slide3.xml><?xml version="1.0" encoding="utf-8"?>
+<file path=ppt/slides/slide4.xml><?xml version="1.0" encoding="utf-8"?>
 <p:sld xmlns:a="http://schemas.openxmlformats.org/drawingml/2006/main" xmlns:r="http://schemas.openxmlformats.org/officeDocument/2006/relationships" xmlns:p="http://schemas.openxmlformats.org/presentationml/2006/main">
   <p:cSld>
     <p:bg>
@@ -12237,14 +13236,43 @@
               </a:rPr>
               <a:t>Cardano</a:t>
             </a:r>
-            <a:endParaRPr lang="en-US" sz="1500" dirty="0">
-              <a:solidFill>
-                <a:schemeClr val="tx1">
-                  <a:lumMod val="85000"/>
-                  <a:lumOff val="15000"/>
-                </a:schemeClr>
-              </a:solidFill>
-            </a:endParaRPr>
+            <a:r>
+              <a:rPr lang="en-US" sz="1500" dirty="0">
+                <a:solidFill>
+                  <a:schemeClr val="tx1">
+                    <a:lumMod val="85000"/>
+                    <a:lumOff val="15000"/>
+                  </a:schemeClr>
+                </a:solidFill>
+              </a:rPr>
+              <a:t> (ADA)</a:t>
+            </a:r>
+          </a:p>
+          <a:p>
+            <a:pPr marL="742950" lvl="1" indent="-228600" defTabSz="914400">
+              <a:lnSpc>
+                <a:spcPct val="90000"/>
+              </a:lnSpc>
+              <a:spcBef>
+                <a:spcPts val="1000"/>
+              </a:spcBef>
+              <a:buClr>
+                <a:schemeClr val="accent2"/>
+              </a:buClr>
+              <a:buFont typeface="Arial" panose="020B0604020202020204" pitchFamily="34" charset="0"/>
+              <a:buChar char="•"/>
+            </a:pPr>
+            <a:r>
+              <a:rPr lang="en-US" sz="1500" dirty="0">
+                <a:solidFill>
+                  <a:schemeClr val="tx1">
+                    <a:lumMod val="85000"/>
+                    <a:lumOff val="15000"/>
+                  </a:schemeClr>
+                </a:solidFill>
+              </a:rPr>
+              <a:t>BTC and ETH excluded</a:t>
+            </a:r>
           </a:p>
         </p:txBody>
       </p:sp>
@@ -12468,331 +13496,6 @@
     <p:extLst>
       <p:ext uri="{BB962C8B-B14F-4D97-AF65-F5344CB8AC3E}">
         <p14:creationId xmlns:p14="http://schemas.microsoft.com/office/powerpoint/2010/main" val="954477500"/>
-      </p:ext>
-    </p:extLst>
-  </p:cSld>
-  <p:clrMapOvr>
-    <a:masterClrMapping/>
-  </p:clrMapOvr>
-</p:sld>
-</file>
-
-<file path=ppt/slides/slide4.xml><?xml version="1.0" encoding="utf-8"?>
-<p:sld xmlns:a="http://schemas.openxmlformats.org/drawingml/2006/main" xmlns:r="http://schemas.openxmlformats.org/officeDocument/2006/relationships" xmlns:p="http://schemas.openxmlformats.org/presentationml/2006/main">
-  <p:cSld>
-    <p:bg>
-      <p:bgPr>
-        <a:solidFill>
-          <a:schemeClr val="bg1">
-            <a:lumMod val="95000"/>
-          </a:schemeClr>
-        </a:solidFill>
-        <a:effectLst/>
-      </p:bgPr>
-    </p:bg>
-    <p:spTree>
-      <p:nvGrpSpPr>
-        <p:cNvPr id="1" name=""/>
-        <p:cNvGrpSpPr/>
-        <p:nvPr/>
-      </p:nvGrpSpPr>
-      <p:grpSpPr>
-        <a:xfrm>
-          <a:off x="0" y="0"/>
-          <a:ext cx="0" cy="0"/>
-          <a:chOff x="0" y="0"/>
-          <a:chExt cx="0" cy="0"/>
-        </a:xfrm>
-      </p:grpSpPr>
-      <p:sp>
-        <p:nvSpPr>
-          <p:cNvPr id="2" name="Title 1">
-            <a:extLst>
-              <a:ext uri="{FF2B5EF4-FFF2-40B4-BE49-F238E27FC236}">
-                <a16:creationId xmlns:a16="http://schemas.microsoft.com/office/drawing/2014/main" id="{51F70220-677A-411B-B416-94321A555329}"/>
-              </a:ext>
-            </a:extLst>
-          </p:cNvPr>
-          <p:cNvSpPr>
-            <a:spLocks noGrp="1"/>
-          </p:cNvSpPr>
-          <p:nvPr>
-            <p:ph type="title"/>
-          </p:nvPr>
-        </p:nvSpPr>
-        <p:spPr>
-          <a:xfrm>
-            <a:off x="804672" y="964692"/>
-            <a:ext cx="4476806" cy="1188720"/>
-          </a:xfrm>
-        </p:spPr>
-        <p:txBody>
-          <a:bodyPr vert="horz" lIns="182880" tIns="182880" rIns="182880" bIns="182880" rtlCol="0">
-            <a:normAutofit/>
-          </a:bodyPr>
-          <a:lstStyle/>
-          <a:p>
-            <a:br>
-              <a:rPr lang="en-US" sz="2000"/>
-            </a:br>
-            <a:r>
-              <a:rPr lang="en-US" sz="2000"/>
-              <a:t>Overview</a:t>
-            </a:r>
-            <a:br>
-              <a:rPr lang="en-US" sz="2000"/>
-            </a:br>
-            <a:endParaRPr lang="en-US" sz="2000"/>
-          </a:p>
-        </p:txBody>
-      </p:sp>
-      <p:sp>
-        <p:nvSpPr>
-          <p:cNvPr id="3" name="Content Placeholder 2">
-            <a:extLst>
-              <a:ext uri="{FF2B5EF4-FFF2-40B4-BE49-F238E27FC236}">
-                <a16:creationId xmlns:a16="http://schemas.microsoft.com/office/drawing/2014/main" id="{667D1328-A694-4327-A93A-3D919FD65B27}"/>
-              </a:ext>
-            </a:extLst>
-          </p:cNvPr>
-          <p:cNvSpPr>
-            <a:spLocks noGrp="1"/>
-          </p:cNvSpPr>
-          <p:nvPr>
-            <p:ph idx="1"/>
-          </p:nvPr>
-        </p:nvSpPr>
-        <p:spPr>
-          <a:xfrm>
-            <a:off x="803244" y="2638044"/>
-            <a:ext cx="4492932" cy="3263206"/>
-          </a:xfrm>
-        </p:spPr>
-        <p:txBody>
-          <a:bodyPr>
-            <a:normAutofit/>
-          </a:bodyPr>
-          <a:lstStyle/>
-          <a:p>
-            <a:pPr marL="0" indent="0">
-              <a:buNone/>
-            </a:pPr>
-            <a:endParaRPr lang="en-US" dirty="0">
-              <a:latin typeface="-apple-system"/>
-            </a:endParaRPr>
-          </a:p>
-          <a:p>
-            <a:pPr marL="0" indent="0">
-              <a:buNone/>
-            </a:pPr>
-            <a:r>
-              <a:rPr lang="en-US" dirty="0">
-                <a:latin typeface="-apple-system"/>
-              </a:rPr>
-              <a:t>Observed &amp; analyzed BTC,ETH,ADA to see the  volatility over approximately the last 2 years to current day by applying algorithms and machine learning to assist in letting a crypto investor know to buy, sell, or hold on to their investments.</a:t>
-            </a:r>
-          </a:p>
-          <a:p>
-            <a:pPr marL="0" indent="0">
-              <a:buNone/>
-            </a:pPr>
-            <a:r>
-              <a:rPr lang="en-US" dirty="0">
-                <a:latin typeface="-apple-system"/>
-              </a:rPr>
-              <a:t>We applied $1000 as our base investment to see our profits and losses.</a:t>
-            </a:r>
-          </a:p>
-          <a:p>
-            <a:pPr marL="0" indent="0">
-              <a:buNone/>
-            </a:pPr>
-            <a:endParaRPr lang="en-US" dirty="0">
-              <a:latin typeface="-apple-system"/>
-            </a:endParaRPr>
-          </a:p>
-          <a:p>
-            <a:endParaRPr lang="en-US" dirty="0"/>
-          </a:p>
-        </p:txBody>
-      </p:sp>
-      <p:sp>
-        <p:nvSpPr>
-          <p:cNvPr id="3101" name="Rectangle 3100">
-            <a:extLst>
-              <a:ext uri="{FF2B5EF4-FFF2-40B4-BE49-F238E27FC236}">
-                <a16:creationId xmlns:a16="http://schemas.microsoft.com/office/drawing/2014/main" id="{56533F40-045E-4E3D-9243-864CD4E58669}"/>
-              </a:ext>
-              <a:ext uri="{C183D7F6-B498-43B3-948B-1728B52AA6E4}">
-                <adec:decorative xmlns:adec="http://schemas.microsoft.com/office/drawing/2017/decorative" val="1"/>
-              </a:ext>
-            </a:extLst>
-          </p:cNvPr>
-          <p:cNvSpPr>
-            <a:spLocks noGrp="1" noRot="1" noChangeAspect="1" noMove="1" noResize="1" noEditPoints="1" noAdjustHandles="1" noChangeArrowheads="1" noChangeShapeType="1" noTextEdit="1"/>
-          </p:cNvSpPr>
-          <p:nvPr>
-            <p:extLst>
-              <p:ext uri="{386F3935-93C4-4BCD-93E2-E3B085C9AB24}">
-                <p16:designElem xmlns:p16="http://schemas.microsoft.com/office/powerpoint/2015/main" val="1"/>
-              </p:ext>
-            </p:extLst>
-          </p:nvPr>
-        </p:nvSpPr>
-        <p:spPr>
-          <a:xfrm>
-            <a:off x="5943605" y="964692"/>
-            <a:ext cx="5440680" cy="4936558"/>
-          </a:xfrm>
-          <a:prstGeom prst="rect">
-            <a:avLst/>
-          </a:prstGeom>
-          <a:noFill/>
-          <a:ln w="31750" cap="sq">
-            <a:solidFill>
-              <a:srgbClr val="FFFFFF"/>
-            </a:solidFill>
-            <a:miter lim="800000"/>
-          </a:ln>
-        </p:spPr>
-        <p:style>
-          <a:lnRef idx="2">
-            <a:schemeClr val="accent1">
-              <a:shade val="50000"/>
-            </a:schemeClr>
-          </a:lnRef>
-          <a:fillRef idx="1">
-            <a:schemeClr val="accent1"/>
-          </a:fillRef>
-          <a:effectRef idx="0">
-            <a:schemeClr val="accent1"/>
-          </a:effectRef>
-          <a:fontRef idx="minor">
-            <a:schemeClr val="lt1"/>
-          </a:fontRef>
-        </p:style>
-        <p:txBody>
-          <a:bodyPr rtlCol="0" anchor="ctr"/>
-          <a:lstStyle/>
-          <a:p>
-            <a:pPr algn="ctr"/>
-            <a:endParaRPr lang="en-US" dirty="0"/>
-          </a:p>
-        </p:txBody>
-      </p:sp>
-      <p:sp>
-        <p:nvSpPr>
-          <p:cNvPr id="3103" name="Rectangle 3102">
-            <a:extLst>
-              <a:ext uri="{FF2B5EF4-FFF2-40B4-BE49-F238E27FC236}">
-                <a16:creationId xmlns:a16="http://schemas.microsoft.com/office/drawing/2014/main" id="{30402EC6-D845-41B3-BEBE-CB34D9BFEA60}"/>
-              </a:ext>
-              <a:ext uri="{C183D7F6-B498-43B3-948B-1728B52AA6E4}">
-                <adec:decorative xmlns:adec="http://schemas.microsoft.com/office/drawing/2017/decorative" val="1"/>
-              </a:ext>
-            </a:extLst>
-          </p:cNvPr>
-          <p:cNvSpPr>
-            <a:spLocks noGrp="1" noRot="1" noChangeAspect="1" noMove="1" noResize="1" noEditPoints="1" noAdjustHandles="1" noChangeArrowheads="1" noChangeShapeType="1" noTextEdit="1"/>
-          </p:cNvSpPr>
-          <p:nvPr>
-            <p:extLst>
-              <p:ext uri="{386F3935-93C4-4BCD-93E2-E3B085C9AB24}">
-                <p16:designElem xmlns:p16="http://schemas.microsoft.com/office/powerpoint/2015/main" val="1"/>
-              </p:ext>
-            </p:extLst>
-          </p:nvPr>
-        </p:nvSpPr>
-        <p:spPr>
-          <a:xfrm>
-            <a:off x="6110699" y="1128683"/>
-            <a:ext cx="5106493" cy="4608576"/>
-          </a:xfrm>
-          <a:prstGeom prst="rect">
-            <a:avLst/>
-          </a:prstGeom>
-          <a:solidFill>
-            <a:srgbClr val="FFFFFF"/>
-          </a:solidFill>
-          <a:ln>
-            <a:noFill/>
-          </a:ln>
-        </p:spPr>
-        <p:style>
-          <a:lnRef idx="2">
-            <a:schemeClr val="accent1">
-              <a:shade val="50000"/>
-            </a:schemeClr>
-          </a:lnRef>
-          <a:fillRef idx="1">
-            <a:schemeClr val="accent1"/>
-          </a:fillRef>
-          <a:effectRef idx="0">
-            <a:schemeClr val="accent1"/>
-          </a:effectRef>
-          <a:fontRef idx="minor">
-            <a:schemeClr val="lt1"/>
-          </a:fontRef>
-        </p:style>
-        <p:txBody>
-          <a:bodyPr rtlCol="0" anchor="ctr"/>
-          <a:lstStyle/>
-          <a:p>
-            <a:pPr algn="ctr"/>
-            <a:endParaRPr lang="en-US"/>
-          </a:p>
-        </p:txBody>
-      </p:sp>
-      <p:pic>
-        <p:nvPicPr>
-          <p:cNvPr id="3076" name="Picture 4" descr="The Russian fintech scene in the spotlight - Emerging Europe">
-            <a:extLst>
-              <a:ext uri="{FF2B5EF4-FFF2-40B4-BE49-F238E27FC236}">
-                <a16:creationId xmlns:a16="http://schemas.microsoft.com/office/drawing/2014/main" id="{45C8429F-2FB8-4396-0485-F7862CC7E946}"/>
-              </a:ext>
-            </a:extLst>
-          </p:cNvPr>
-          <p:cNvPicPr>
-            <a:picLocks noChangeAspect="1" noChangeArrowheads="1"/>
-          </p:cNvPicPr>
-          <p:nvPr/>
-        </p:nvPicPr>
-        <p:blipFill>
-          <a:blip r:embed="rId3">
-            <a:extLst>
-              <a:ext uri="{28A0092B-C50C-407E-A947-70E740481C1C}">
-                <a14:useLocalDpi xmlns:a14="http://schemas.microsoft.com/office/drawing/2010/main" val="0"/>
-              </a:ext>
-            </a:extLst>
-          </a:blip>
-          <a:stretch>
-            <a:fillRect/>
-          </a:stretch>
-        </p:blipFill>
-        <p:spPr bwMode="auto">
-          <a:xfrm>
-            <a:off x="6272789" y="2087946"/>
-            <a:ext cx="4782312" cy="2690050"/>
-          </a:xfrm>
-          <a:prstGeom prst="rect">
-            <a:avLst/>
-          </a:prstGeom>
-          <a:noFill/>
-          <a:extLst>
-            <a:ext uri="{909E8E84-426E-40DD-AFC4-6F175D3DCCD1}">
-              <a14:hiddenFill xmlns:a14="http://schemas.microsoft.com/office/drawing/2010/main">
-                <a:solidFill>
-                  <a:srgbClr val="FFFFFF"/>
-                </a:solidFill>
-              </a14:hiddenFill>
-            </a:ext>
-          </a:extLst>
-        </p:spPr>
-      </p:pic>
-    </p:spTree>
-    <p:extLst>
-      <p:ext uri="{BB962C8B-B14F-4D97-AF65-F5344CB8AC3E}">
-        <p14:creationId xmlns:p14="http://schemas.microsoft.com/office/powerpoint/2010/main" val="2673849116"/>
       </p:ext>
     </p:extLst>
   </p:cSld>
@@ -13586,7 +14289,7 @@
           <a:lstStyle/>
           <a:p>
             <a:r>
-              <a:rPr lang="en-US">
+              <a:rPr lang="en-US" dirty="0">
                 <a:solidFill>
                   <a:srgbClr val="FFFFFF"/>
                 </a:solidFill>
@@ -13596,8 +14299,16 @@
             </a:r>
           </a:p>
           <a:p>
+            <a:endParaRPr lang="en-US" dirty="0">
+              <a:solidFill>
+                <a:srgbClr val="FFFFFF"/>
+              </a:solidFill>
+              <a:latin typeface="-apple-system"/>
+            </a:endParaRPr>
+          </a:p>
+          <a:p>
             <a:r>
-              <a:rPr lang="en-US">
+              <a:rPr lang="en-US" dirty="0">
                 <a:solidFill>
                   <a:srgbClr val="FFFFFF"/>
                 </a:solidFill>
@@ -13607,21 +14318,29 @@
             </a:r>
           </a:p>
           <a:p>
+            <a:endParaRPr lang="en-US" dirty="0">
+              <a:solidFill>
+                <a:srgbClr val="FFFFFF"/>
+              </a:solidFill>
+              <a:latin typeface="-apple-system"/>
+            </a:endParaRPr>
+          </a:p>
+          <a:p>
             <a:r>
-              <a:rPr lang="en-US">
+              <a:rPr lang="en-US" dirty="0">
                 <a:solidFill>
                   <a:srgbClr val="FFFFFF"/>
                 </a:solidFill>
                 <a:latin typeface="-apple-system"/>
               </a:rPr>
-              <a:t>Will our algorithms show us which direction to go with our investments in order to increase profit and minimize losses?</a:t>
+              <a:t>Can you use a trading strategy to grow in a bear market?</a:t>
             </a:r>
           </a:p>
           <a:p>
             <a:pPr marL="0" indent="0">
               <a:buNone/>
             </a:pPr>
-            <a:endParaRPr lang="en-US">
+            <a:endParaRPr lang="en-US" dirty="0">
               <a:solidFill>
                 <a:srgbClr val="FFFFFF"/>
               </a:solidFill>
@@ -13629,7 +14348,7 @@
             </a:endParaRPr>
           </a:p>
           <a:p>
-            <a:endParaRPr lang="en-US">
+            <a:endParaRPr lang="en-US" dirty="0">
               <a:solidFill>
                 <a:srgbClr val="FFFFFF"/>
               </a:solidFill>
@@ -14384,327 +15103,6 @@
         </p:nvSpPr>
         <p:spPr>
           <a:xfrm>
-            <a:off x="8190983" y="3831477"/>
-            <a:ext cx="3363974" cy="1495794"/>
-          </a:xfrm>
-          <a:noFill/>
-          <a:ln>
-            <a:solidFill>
-              <a:srgbClr val="FFFFFF"/>
-            </a:solidFill>
-          </a:ln>
-          <a:effectLst>
-            <a:glow rad="152400">
-              <a:schemeClr val="bg1">
-                <a:alpha val="13000"/>
-              </a:schemeClr>
-            </a:glow>
-          </a:effectLst>
-        </p:spPr>
-        <p:txBody>
-          <a:bodyPr wrap="square">
-            <a:normAutofit/>
-          </a:bodyPr>
-          <a:lstStyle/>
-          <a:p>
-            <a:r>
-              <a:rPr lang="en-US" dirty="0">
-                <a:solidFill>
-                  <a:srgbClr val="FFFFFF"/>
-                </a:solidFill>
-              </a:rPr>
-              <a:t>Strategy visuals</a:t>
-            </a:r>
-            <a:br>
-              <a:rPr lang="en-US" dirty="0">
-                <a:solidFill>
-                  <a:srgbClr val="FFFFFF"/>
-                </a:solidFill>
-              </a:rPr>
-            </a:br>
-            <a:r>
-              <a:rPr lang="en-US" sz="1600" dirty="0">
-                <a:solidFill>
-                  <a:srgbClr val="FFFFFF"/>
-                </a:solidFill>
-              </a:rPr>
-              <a:t>**2 year window**</a:t>
-            </a:r>
-          </a:p>
-        </p:txBody>
-      </p:sp>
-      <p:pic>
-        <p:nvPicPr>
-          <p:cNvPr id="10" name="Picture 9" descr="Chart&#10;&#10;Description automatically generated">
-            <a:extLst>
-              <a:ext uri="{FF2B5EF4-FFF2-40B4-BE49-F238E27FC236}">
-                <a16:creationId xmlns:a16="http://schemas.microsoft.com/office/drawing/2014/main" id="{04F052E9-FF7D-BA2E-ED54-ADECCA8AABE4}"/>
-              </a:ext>
-            </a:extLst>
-          </p:cNvPr>
-          <p:cNvPicPr>
-            <a:picLocks noChangeAspect="1"/>
-          </p:cNvPicPr>
-          <p:nvPr/>
-        </p:nvPicPr>
-        <p:blipFill>
-          <a:blip r:embed="rId3"/>
-          <a:stretch>
-            <a:fillRect/>
-          </a:stretch>
-        </p:blipFill>
-        <p:spPr>
-          <a:xfrm>
-            <a:off x="7800321" y="294968"/>
-            <a:ext cx="3766515" cy="3052916"/>
-          </a:xfrm>
-          <a:prstGeom prst="rect">
-            <a:avLst/>
-          </a:prstGeom>
-        </p:spPr>
-      </p:pic>
-      <p:pic>
-        <p:nvPicPr>
-          <p:cNvPr id="9" name="Picture 8" descr="Graphical user interface, chart, histogram&#10;&#10;Description automatically generated">
-            <a:extLst>
-              <a:ext uri="{FF2B5EF4-FFF2-40B4-BE49-F238E27FC236}">
-                <a16:creationId xmlns:a16="http://schemas.microsoft.com/office/drawing/2014/main" id="{AA37DBF4-0478-A9A2-CE6B-D1B04ABCB444}"/>
-              </a:ext>
-            </a:extLst>
-          </p:cNvPr>
-          <p:cNvPicPr>
-            <a:picLocks noChangeAspect="1"/>
-          </p:cNvPicPr>
-          <p:nvPr/>
-        </p:nvPicPr>
-        <p:blipFill>
-          <a:blip r:embed="rId4"/>
-          <a:stretch>
-            <a:fillRect/>
-          </a:stretch>
-        </p:blipFill>
-        <p:spPr>
-          <a:xfrm>
-            <a:off x="646204" y="3347884"/>
-            <a:ext cx="6245296" cy="3393202"/>
-          </a:xfrm>
-          <a:prstGeom prst="rect">
-            <a:avLst/>
-          </a:prstGeom>
-        </p:spPr>
-      </p:pic>
-      <p:pic>
-        <p:nvPicPr>
-          <p:cNvPr id="12" name="Picture 11" descr="Chart, histogram&#10;&#10;Description automatically generated">
-            <a:extLst>
-              <a:ext uri="{FF2B5EF4-FFF2-40B4-BE49-F238E27FC236}">
-                <a16:creationId xmlns:a16="http://schemas.microsoft.com/office/drawing/2014/main" id="{F7C3151D-8C67-2C05-986B-43C62F6E9EFB}"/>
-              </a:ext>
-            </a:extLst>
-          </p:cNvPr>
-          <p:cNvPicPr>
-            <a:picLocks noChangeAspect="1"/>
-          </p:cNvPicPr>
-          <p:nvPr/>
-        </p:nvPicPr>
-        <p:blipFill>
-          <a:blip r:embed="rId5"/>
-          <a:stretch>
-            <a:fillRect/>
-          </a:stretch>
-        </p:blipFill>
-        <p:spPr>
-          <a:xfrm>
-            <a:off x="646203" y="221226"/>
-            <a:ext cx="6266338" cy="3126658"/>
-          </a:xfrm>
-          <a:prstGeom prst="rect">
-            <a:avLst/>
-          </a:prstGeom>
-        </p:spPr>
-      </p:pic>
-    </p:spTree>
-    <p:extLst>
-      <p:ext uri="{BB962C8B-B14F-4D97-AF65-F5344CB8AC3E}">
-        <p14:creationId xmlns:p14="http://schemas.microsoft.com/office/powerpoint/2010/main" val="4128952323"/>
-      </p:ext>
-    </p:extLst>
-  </p:cSld>
-  <p:clrMapOvr>
-    <a:masterClrMapping/>
-  </p:clrMapOvr>
-</p:sld>
-</file>
-
-<file path=ppt/slides/slide9.xml><?xml version="1.0" encoding="utf-8"?>
-<p:sld xmlns:a="http://schemas.openxmlformats.org/drawingml/2006/main" xmlns:r="http://schemas.openxmlformats.org/officeDocument/2006/relationships" xmlns:p="http://schemas.openxmlformats.org/presentationml/2006/main">
-  <p:cSld>
-    <p:bg>
-      <p:bgPr>
-        <a:solidFill>
-          <a:schemeClr val="bg1"/>
-        </a:solidFill>
-        <a:effectLst/>
-      </p:bgPr>
-    </p:bg>
-    <p:spTree>
-      <p:nvGrpSpPr>
-        <p:cNvPr id="1" name=""/>
-        <p:cNvGrpSpPr/>
-        <p:nvPr/>
-      </p:nvGrpSpPr>
-      <p:grpSpPr>
-        <a:xfrm>
-          <a:off x="0" y="0"/>
-          <a:ext cx="0" cy="0"/>
-          <a:chOff x="0" y="0"/>
-          <a:chExt cx="0" cy="0"/>
-        </a:xfrm>
-      </p:grpSpPr>
-      <p:sp useBgFill="1">
-        <p:nvSpPr>
-          <p:cNvPr id="18" name="Rectangle 17">
-            <a:extLst>
-              <a:ext uri="{FF2B5EF4-FFF2-40B4-BE49-F238E27FC236}">
-                <a16:creationId xmlns:a16="http://schemas.microsoft.com/office/drawing/2014/main" id="{0AF33C27-9C85-4B30-9AD7-879D48AFE4FF}"/>
-              </a:ext>
-              <a:ext uri="{C183D7F6-B498-43B3-948B-1728B52AA6E4}">
-                <adec:decorative xmlns:adec="http://schemas.microsoft.com/office/drawing/2017/decorative" val="1"/>
-              </a:ext>
-            </a:extLst>
-          </p:cNvPr>
-          <p:cNvSpPr>
-            <a:spLocks noGrp="1" noRot="1" noChangeAspect="1" noMove="1" noResize="1" noEditPoints="1" noAdjustHandles="1" noChangeArrowheads="1" noChangeShapeType="1" noTextEdit="1"/>
-          </p:cNvSpPr>
-          <p:nvPr>
-            <p:extLst>
-              <p:ext uri="{386F3935-93C4-4BCD-93E2-E3B085C9AB24}">
-                <p16:designElem xmlns:p16="http://schemas.microsoft.com/office/powerpoint/2015/main" val="1"/>
-              </p:ext>
-            </p:extLst>
-          </p:nvPr>
-        </p:nvSpPr>
-        <p:spPr>
-          <a:xfrm>
-            <a:off x="0" y="0"/>
-            <a:ext cx="12191999" cy="6858000"/>
-          </a:xfrm>
-          <a:prstGeom prst="rect">
-            <a:avLst/>
-          </a:prstGeom>
-          <a:ln>
-            <a:noFill/>
-          </a:ln>
-        </p:spPr>
-        <p:style>
-          <a:lnRef idx="2">
-            <a:schemeClr val="accent1">
-              <a:shade val="50000"/>
-            </a:schemeClr>
-          </a:lnRef>
-          <a:fillRef idx="1">
-            <a:schemeClr val="accent1"/>
-          </a:fillRef>
-          <a:effectRef idx="0">
-            <a:schemeClr val="accent1"/>
-          </a:effectRef>
-          <a:fontRef idx="minor">
-            <a:schemeClr val="lt1"/>
-          </a:fontRef>
-        </p:style>
-        <p:txBody>
-          <a:bodyPr rtlCol="0" anchor="ctr"/>
-          <a:lstStyle/>
-          <a:p>
-            <a:pPr algn="ctr"/>
-            <a:endParaRPr lang="en-US" dirty="0"/>
-          </a:p>
-        </p:txBody>
-      </p:sp>
-      <p:sp>
-        <p:nvSpPr>
-          <p:cNvPr id="20" name="Rectangle 19">
-            <a:extLst>
-              <a:ext uri="{FF2B5EF4-FFF2-40B4-BE49-F238E27FC236}">
-                <a16:creationId xmlns:a16="http://schemas.microsoft.com/office/drawing/2014/main" id="{6D5089DD-882D-4413-B8BF-4798BFD84A98}"/>
-              </a:ext>
-              <a:ext uri="{C183D7F6-B498-43B3-948B-1728B52AA6E4}">
-                <adec:decorative xmlns:adec="http://schemas.microsoft.com/office/drawing/2017/decorative" val="1"/>
-              </a:ext>
-            </a:extLst>
-          </p:cNvPr>
-          <p:cNvSpPr>
-            <a:spLocks noGrp="1" noRot="1" noChangeAspect="1" noMove="1" noResize="1" noEditPoints="1" noAdjustHandles="1" noChangeArrowheads="1" noChangeShapeType="1" noTextEdit="1"/>
-          </p:cNvSpPr>
-          <p:nvPr>
-            <p:extLst>
-              <p:ext uri="{386F3935-93C4-4BCD-93E2-E3B085C9AB24}">
-                <p16:designElem xmlns:p16="http://schemas.microsoft.com/office/powerpoint/2015/main" val="1"/>
-              </p:ext>
-            </p:extLst>
-          </p:nvPr>
-        </p:nvSpPr>
-        <p:spPr>
-          <a:xfrm>
-            <a:off x="7537704" y="0"/>
-            <a:ext cx="4654296" cy="6858000"/>
-          </a:xfrm>
-          <a:prstGeom prst="rect">
-            <a:avLst/>
-          </a:prstGeom>
-          <a:solidFill>
-            <a:schemeClr val="tx1">
-              <a:lumMod val="95000"/>
-              <a:lumOff val="5000"/>
-            </a:schemeClr>
-          </a:solidFill>
-          <a:ln>
-            <a:noFill/>
-          </a:ln>
-        </p:spPr>
-        <p:style>
-          <a:lnRef idx="2">
-            <a:schemeClr val="accent1">
-              <a:shade val="50000"/>
-            </a:schemeClr>
-          </a:lnRef>
-          <a:fillRef idx="1">
-            <a:schemeClr val="accent1"/>
-          </a:fillRef>
-          <a:effectRef idx="0">
-            <a:schemeClr val="accent1"/>
-          </a:effectRef>
-          <a:fontRef idx="minor">
-            <a:schemeClr val="lt1"/>
-          </a:fontRef>
-        </p:style>
-        <p:txBody>
-          <a:bodyPr rtlCol="0" anchor="ctr"/>
-          <a:lstStyle/>
-          <a:p>
-            <a:pPr algn="ctr"/>
-            <a:endParaRPr lang="en-US" dirty="0"/>
-          </a:p>
-        </p:txBody>
-      </p:sp>
-      <p:sp>
-        <p:nvSpPr>
-          <p:cNvPr id="2" name="Title 1">
-            <a:extLst>
-              <a:ext uri="{FF2B5EF4-FFF2-40B4-BE49-F238E27FC236}">
-                <a16:creationId xmlns:a16="http://schemas.microsoft.com/office/drawing/2014/main" id="{8EB78894-19E5-4916-B37E-B4A80B9B8D52}"/>
-              </a:ext>
-            </a:extLst>
-          </p:cNvPr>
-          <p:cNvSpPr>
-            <a:spLocks noGrp="1"/>
-          </p:cNvSpPr>
-          <p:nvPr>
-            <p:ph type="title"/>
-          </p:nvPr>
-        </p:nvSpPr>
-        <p:spPr>
-          <a:xfrm>
             <a:off x="8338466" y="2489373"/>
             <a:ext cx="3363974" cy="1495794"/>
           </a:xfrm>
@@ -14818,6 +15216,66 @@
     <p:extLst>
       <p:ext uri="{BB962C8B-B14F-4D97-AF65-F5344CB8AC3E}">
         <p14:creationId xmlns:p14="http://schemas.microsoft.com/office/powerpoint/2010/main" val="3448316882"/>
+      </p:ext>
+    </p:extLst>
+  </p:cSld>
+  <p:clrMapOvr>
+    <a:masterClrMapping/>
+  </p:clrMapOvr>
+</p:sld>
+</file>
+
+<file path=ppt/slides/slide9.xml><?xml version="1.0" encoding="utf-8"?>
+<p:sld xmlns:a="http://schemas.openxmlformats.org/drawingml/2006/main" xmlns:r="http://schemas.openxmlformats.org/officeDocument/2006/relationships" xmlns:p="http://schemas.openxmlformats.org/presentationml/2006/main">
+  <p:cSld>
+    <p:spTree>
+      <p:nvGrpSpPr>
+        <p:cNvPr id="1" name=""/>
+        <p:cNvGrpSpPr/>
+        <p:nvPr/>
+      </p:nvGrpSpPr>
+      <p:grpSpPr>
+        <a:xfrm>
+          <a:off x="0" y="0"/>
+          <a:ext cx="0" cy="0"/>
+          <a:chOff x="0" y="0"/>
+          <a:chExt cx="0" cy="0"/>
+        </a:xfrm>
+      </p:grpSpPr>
+      <p:pic>
+        <p:nvPicPr>
+          <p:cNvPr id="3" name="Picture 2" descr="Chart&#10;&#10;Description automatically generated">
+            <a:extLst>
+              <a:ext uri="{FF2B5EF4-FFF2-40B4-BE49-F238E27FC236}">
+                <a16:creationId xmlns:a16="http://schemas.microsoft.com/office/drawing/2014/main" id="{1177427C-6C3F-4B0D-2D9A-62F0CF9E4CF4}"/>
+              </a:ext>
+            </a:extLst>
+          </p:cNvPr>
+          <p:cNvPicPr>
+            <a:picLocks noChangeAspect="1"/>
+          </p:cNvPicPr>
+          <p:nvPr/>
+        </p:nvPicPr>
+        <p:blipFill>
+          <a:blip r:embed="rId3"/>
+          <a:stretch>
+            <a:fillRect/>
+          </a:stretch>
+        </p:blipFill>
+        <p:spPr>
+          <a:xfrm>
+            <a:off x="381000" y="0"/>
+            <a:ext cx="11430000" cy="6858000"/>
+          </a:xfrm>
+          <a:prstGeom prst="rect">
+            <a:avLst/>
+          </a:prstGeom>
+        </p:spPr>
+      </p:pic>
+    </p:spTree>
+    <p:extLst>
+      <p:ext uri="{BB962C8B-B14F-4D97-AF65-F5344CB8AC3E}">
+        <p14:creationId xmlns:p14="http://schemas.microsoft.com/office/powerpoint/2010/main" val="2125690892"/>
       </p:ext>
     </p:extLst>
   </p:cSld>

--- a/Sentiment_Trading.pptx
+++ b/Sentiment_Trading.pptx
@@ -17,13 +17,13 @@
     <p:sldId id="264" r:id="rId8"/>
     <p:sldId id="257" r:id="rId9"/>
     <p:sldId id="263" r:id="rId10"/>
-    <p:sldId id="262" r:id="rId11"/>
-    <p:sldId id="265" r:id="rId12"/>
-    <p:sldId id="272" r:id="rId13"/>
-    <p:sldId id="267" r:id="rId14"/>
-    <p:sldId id="270" r:id="rId15"/>
-    <p:sldId id="269" r:id="rId16"/>
-    <p:sldId id="271" r:id="rId17"/>
+    <p:sldId id="277" r:id="rId11"/>
+    <p:sldId id="262" r:id="rId12"/>
+    <p:sldId id="275" r:id="rId13"/>
+    <p:sldId id="274" r:id="rId14"/>
+    <p:sldId id="265" r:id="rId15"/>
+    <p:sldId id="278" r:id="rId16"/>
+    <p:sldId id="276" r:id="rId17"/>
     <p:sldId id="273" r:id="rId18"/>
   </p:sldIdLst>
   <p:sldSz cx="12192000" cy="6858000"/>
@@ -2639,21 +2639,6 @@
             </a:lnSpc>
           </a:pPr>
           <a:r>
-            <a:rPr lang="en-US" noProof="0" dirty="0" err="1">
-              <a:solidFill>
-                <a:schemeClr val="bg1"/>
-              </a:solidFill>
-              <a:effectLst>
-                <a:glow rad="152400">
-                  <a:schemeClr val="bg1">
-                    <a:alpha val="19000"/>
-                  </a:schemeClr>
-                </a:glow>
-              </a:effectLst>
-            </a:rPr>
-            <a:t>Cardano</a:t>
-          </a:r>
-          <a:r>
             <a:rPr lang="en-US" noProof="0" dirty="0">
               <a:solidFill>
                 <a:schemeClr val="bg1"/>
@@ -2666,7 +2651,7 @@
                 </a:glow>
               </a:effectLst>
             </a:rPr>
-            <a:t> (ADA)</a:t>
+            <a:t>Cardano (ADA)</a:t>
           </a:r>
         </a:p>
       </dgm:t>
@@ -3861,21 +3846,6 @@
             <a:buNone/>
           </a:pPr>
           <a:r>
-            <a:rPr lang="en-US" sz="2500" kern="1200" noProof="0" dirty="0" err="1">
-              <a:solidFill>
-                <a:schemeClr val="bg1"/>
-              </a:solidFill>
-              <a:effectLst>
-                <a:glow rad="152400">
-                  <a:schemeClr val="bg1">
-                    <a:alpha val="19000"/>
-                  </a:schemeClr>
-                </a:glow>
-              </a:effectLst>
-            </a:rPr>
-            <a:t>Cardano</a:t>
-          </a:r>
-          <a:r>
             <a:rPr lang="en-US" sz="2500" kern="1200" noProof="0" dirty="0">
               <a:solidFill>
                 <a:schemeClr val="bg1"/>
@@ -3888,7 +3858,7 @@
                 </a:glow>
               </a:effectLst>
             </a:rPr>
-            <a:t> (ADA)</a:t>
+            <a:t>Cardano (ADA)</a:t>
           </a:r>
         </a:p>
       </dsp:txBody>
@@ -6651,7 +6621,7 @@
           <a:p>
             <a:fld id="{8369C108-6DA3-45F2-AE7E-50E80854775B}" type="datetimeFigureOut">
               <a:rPr lang="en-US" smtClean="0"/>
-              <a:t>6/11/22</a:t>
+              <a:t>6/11/2022</a:t>
             </a:fld>
             <a:endParaRPr lang="en-US" dirty="0"/>
           </a:p>
@@ -6828,7 +6798,7 @@
           <a:p>
             <a:fld id="{476A73B2-5605-4CC4-ADC6-622651651079}" type="datetimeFigureOut">
               <a:rPr lang="en-US" smtClean="0"/>
-              <a:t>6/11/22</a:t>
+              <a:t>6/11/2022</a:t>
             </a:fld>
             <a:endParaRPr lang="en-US" dirty="0"/>
           </a:p>
@@ -7253,7 +7223,7 @@
     </p:spTree>
     <p:extLst>
       <p:ext uri="{BB962C8B-B14F-4D97-AF65-F5344CB8AC3E}">
-        <p14:creationId xmlns:p14="http://schemas.microsoft.com/office/powerpoint/2010/main" val="2910664282"/>
+        <p14:creationId xmlns:p14="http://schemas.microsoft.com/office/powerpoint/2010/main" val="4145150784"/>
       </p:ext>
     </p:extLst>
   </p:cSld>
@@ -7337,7 +7307,7 @@
     </p:spTree>
     <p:extLst>
       <p:ext uri="{BB962C8B-B14F-4D97-AF65-F5344CB8AC3E}">
-        <p14:creationId xmlns:p14="http://schemas.microsoft.com/office/powerpoint/2010/main" val="7715473"/>
+        <p14:creationId xmlns:p14="http://schemas.microsoft.com/office/powerpoint/2010/main" val="3988305426"/>
       </p:ext>
     </p:extLst>
   </p:cSld>
@@ -7421,7 +7391,7 @@
     </p:spTree>
     <p:extLst>
       <p:ext uri="{BB962C8B-B14F-4D97-AF65-F5344CB8AC3E}">
-        <p14:creationId xmlns:p14="http://schemas.microsoft.com/office/powerpoint/2010/main" val="1977252610"/>
+        <p14:creationId xmlns:p14="http://schemas.microsoft.com/office/powerpoint/2010/main" val="407666765"/>
       </p:ext>
     </p:extLst>
   </p:cSld>
@@ -7505,7 +7475,7 @@
     </p:spTree>
     <p:extLst>
       <p:ext uri="{BB962C8B-B14F-4D97-AF65-F5344CB8AC3E}">
-        <p14:creationId xmlns:p14="http://schemas.microsoft.com/office/powerpoint/2010/main" val="2035080050"/>
+        <p14:creationId xmlns:p14="http://schemas.microsoft.com/office/powerpoint/2010/main" val="3274463471"/>
       </p:ext>
     </p:extLst>
   </p:cSld>
@@ -8009,7 +7979,7 @@
     </p:spTree>
     <p:extLst>
       <p:ext uri="{BB962C8B-B14F-4D97-AF65-F5344CB8AC3E}">
-        <p14:creationId xmlns:p14="http://schemas.microsoft.com/office/powerpoint/2010/main" val="1739244457"/>
+        <p14:creationId xmlns:p14="http://schemas.microsoft.com/office/powerpoint/2010/main" val="2558273355"/>
       </p:ext>
     </p:extLst>
   </p:cSld>
@@ -8093,7 +8063,7 @@
     </p:spTree>
     <p:extLst>
       <p:ext uri="{BB962C8B-B14F-4D97-AF65-F5344CB8AC3E}">
-        <p14:creationId xmlns:p14="http://schemas.microsoft.com/office/powerpoint/2010/main" val="3988305426"/>
+        <p14:creationId xmlns:p14="http://schemas.microsoft.com/office/powerpoint/2010/main" val="1739244457"/>
       </p:ext>
     </p:extLst>
   </p:cSld>
@@ -8177,7 +8147,7 @@
     </p:spTree>
     <p:extLst>
       <p:ext uri="{BB962C8B-B14F-4D97-AF65-F5344CB8AC3E}">
-        <p14:creationId xmlns:p14="http://schemas.microsoft.com/office/powerpoint/2010/main" val="2036701102"/>
+        <p14:creationId xmlns:p14="http://schemas.microsoft.com/office/powerpoint/2010/main" val="3058593566"/>
       </p:ext>
     </p:extLst>
   </p:cSld>
@@ -8350,7 +8320,7 @@
           <a:p>
             <a:fld id="{9AB3A824-1A51-4B26-AD58-A6D8E14F6C04}" type="datetimeFigureOut">
               <a:rPr lang="en-US" smtClean="0"/>
-              <a:t>6/11/22</a:t>
+              <a:t>6/11/2022</a:t>
             </a:fld>
             <a:endParaRPr lang="en-US" dirty="0"/>
           </a:p>
@@ -8524,7 +8494,7 @@
           <a:p>
             <a:fld id="{D857E33E-8B18-4087-B112-809917729534}" type="datetimeFigureOut">
               <a:rPr lang="en-US" smtClean="0"/>
-              <a:t>6/11/22</a:t>
+              <a:t>6/11/2022</a:t>
             </a:fld>
             <a:endParaRPr lang="en-US" dirty="0"/>
           </a:p>
@@ -8708,7 +8678,7 @@
           <a:p>
             <a:fld id="{D3FFE419-2371-464F-8239-3959401C3561}" type="datetimeFigureOut">
               <a:rPr lang="en-US" smtClean="0"/>
-              <a:t>6/11/22</a:t>
+              <a:t>6/11/2022</a:t>
             </a:fld>
             <a:endParaRPr lang="en-US" dirty="0"/>
           </a:p>
@@ -8882,7 +8852,7 @@
           <a:p>
             <a:fld id="{97D162C4-EDD9-4389-A98B-B87ECEA2A816}" type="datetimeFigureOut">
               <a:rPr lang="en-US" smtClean="0"/>
-              <a:t>6/11/22</a:t>
+              <a:t>6/11/2022</a:t>
             </a:fld>
             <a:endParaRPr lang="en-US" dirty="0"/>
           </a:p>
@@ -9154,7 +9124,7 @@
           <a:p>
             <a:fld id="{3E5059C3-6A89-4494-99FF-5A4D6FFD50EB}" type="datetimeFigureOut">
               <a:rPr lang="en-US" smtClean="0"/>
-              <a:t>6/11/22</a:t>
+              <a:t>6/11/2022</a:t>
             </a:fld>
             <a:endParaRPr lang="en-US" dirty="0"/>
           </a:p>
@@ -9390,7 +9360,7 @@
           <a:p>
             <a:fld id="{CA954B2F-12DE-47F5-8894-472B206D2E1E}" type="datetimeFigureOut">
               <a:rPr lang="en-US" smtClean="0"/>
-              <a:t>6/11/22</a:t>
+              <a:t>6/11/2022</a:t>
             </a:fld>
             <a:endParaRPr lang="en-US" dirty="0"/>
           </a:p>
@@ -9753,7 +9723,7 @@
           <a:p>
             <a:fld id="{3CBC1C18-307B-4F68-A007-B5B542270E8D}" type="datetimeFigureOut">
               <a:rPr lang="en-US" smtClean="0"/>
-              <a:t>6/11/22</a:t>
+              <a:t>6/11/2022</a:t>
             </a:fld>
             <a:endParaRPr lang="en-US" dirty="0"/>
           </a:p>
@@ -9900,7 +9870,7 @@
           <a:p>
             <a:fld id="{1FAF3416-4057-4DAA-829D-4CA07428D088}" type="datetimeFigureOut">
               <a:rPr lang="en-US" smtClean="0"/>
-              <a:t>6/11/22</a:t>
+              <a:t>6/11/2022</a:t>
             </a:fld>
             <a:endParaRPr lang="en-US" dirty="0"/>
           </a:p>
@@ -9999,7 +9969,7 @@
           <a:p>
             <a:fld id="{921D9284-D300-4297-87F7-E791DCC15DB1}" type="datetimeFigureOut">
               <a:rPr lang="en-US" smtClean="0"/>
-              <a:t>6/11/22</a:t>
+              <a:t>6/11/2022</a:t>
             </a:fld>
             <a:endParaRPr lang="en-US" dirty="0"/>
           </a:p>
@@ -10360,7 +10330,7 @@
           <a:p>
             <a:fld id="{37D525BB-DA17-4BA0-B3C8-3AC3ABC827E6}" type="datetimeFigureOut">
               <a:rPr lang="en-US" smtClean="0"/>
-              <a:t>6/11/22</a:t>
+              <a:t>6/11/2022</a:t>
             </a:fld>
             <a:endParaRPr lang="en-US" dirty="0"/>
           </a:p>
@@ -10721,7 +10691,7 @@
           <a:p>
             <a:fld id="{B16C4C9A-3960-41CF-A4E9-2A8FB932454B}" type="datetimeFigureOut">
               <a:rPr lang="en-US" smtClean="0"/>
-              <a:t>6/11/22</a:t>
+              <a:t>6/11/2022</a:t>
             </a:fld>
             <a:endParaRPr lang="en-US" dirty="0"/>
           </a:p>
@@ -10967,7 +10937,7 @@
           <a:p>
             <a:fld id="{3CBC1C18-307B-4F68-A007-B5B542270E8D}" type="datetimeFigureOut">
               <a:rPr lang="en-US" smtClean="0"/>
-              <a:t>6/11/22</a:t>
+              <a:t>6/11/2022</a:t>
             </a:fld>
             <a:endParaRPr lang="en-US" dirty="0"/>
           </a:p>
@@ -11692,6 +11662,14 @@
 <file path=ppt/slides/slide10.xml><?xml version="1.0" encoding="utf-8"?>
 <p:sld xmlns:a="http://schemas.openxmlformats.org/drawingml/2006/main" xmlns:r="http://schemas.openxmlformats.org/officeDocument/2006/relationships" xmlns:p="http://schemas.openxmlformats.org/presentationml/2006/main">
   <p:cSld>
+    <p:bg>
+      <p:bgPr>
+        <a:solidFill>
+          <a:schemeClr val="bg1"/>
+        </a:solidFill>
+        <a:effectLst/>
+      </p:bgPr>
+    </p:bg>
     <p:spTree>
       <p:nvGrpSpPr>
         <p:cNvPr id="1" name=""/>
@@ -11706,12 +11684,205 @@
           <a:chExt cx="0" cy="0"/>
         </a:xfrm>
       </p:grpSpPr>
+      <p:sp useBgFill="1">
+        <p:nvSpPr>
+          <p:cNvPr id="18" name="Rectangle 17">
+            <a:extLst>
+              <a:ext uri="{FF2B5EF4-FFF2-40B4-BE49-F238E27FC236}">
+                <a16:creationId xmlns:a16="http://schemas.microsoft.com/office/drawing/2014/main" id="{0AF33C27-9C85-4B30-9AD7-879D48AFE4FF}"/>
+              </a:ext>
+              <a:ext uri="{C183D7F6-B498-43B3-948B-1728B52AA6E4}">
+                <adec:decorative xmlns:adec="http://schemas.microsoft.com/office/drawing/2017/decorative" val="1"/>
+              </a:ext>
+            </a:extLst>
+          </p:cNvPr>
+          <p:cNvSpPr>
+            <a:spLocks noGrp="1" noRot="1" noChangeAspect="1" noMove="1" noResize="1" noEditPoints="1" noAdjustHandles="1" noChangeArrowheads="1" noChangeShapeType="1" noTextEdit="1"/>
+          </p:cNvSpPr>
+          <p:nvPr>
+            <p:extLst>
+              <p:ext uri="{386F3935-93C4-4BCD-93E2-E3B085C9AB24}">
+                <p16:designElem xmlns:p16="http://schemas.microsoft.com/office/powerpoint/2015/main" val="1"/>
+              </p:ext>
+            </p:extLst>
+          </p:nvPr>
+        </p:nvSpPr>
+        <p:spPr>
+          <a:xfrm>
+            <a:off x="0" y="0"/>
+            <a:ext cx="12191999" cy="6858000"/>
+          </a:xfrm>
+          <a:prstGeom prst="rect">
+            <a:avLst/>
+          </a:prstGeom>
+          <a:ln>
+            <a:noFill/>
+          </a:ln>
+        </p:spPr>
+        <p:style>
+          <a:lnRef idx="2">
+            <a:schemeClr val="accent1">
+              <a:shade val="50000"/>
+            </a:schemeClr>
+          </a:lnRef>
+          <a:fillRef idx="1">
+            <a:schemeClr val="accent1"/>
+          </a:fillRef>
+          <a:effectRef idx="0">
+            <a:schemeClr val="accent1"/>
+          </a:effectRef>
+          <a:fontRef idx="minor">
+            <a:schemeClr val="lt1"/>
+          </a:fontRef>
+        </p:style>
+        <p:txBody>
+          <a:bodyPr rtlCol="0" anchor="ctr"/>
+          <a:lstStyle/>
+          <a:p>
+            <a:pPr algn="ctr"/>
+            <a:endParaRPr lang="en-US" dirty="0"/>
+          </a:p>
+        </p:txBody>
+      </p:sp>
+      <p:sp>
+        <p:nvSpPr>
+          <p:cNvPr id="20" name="Rectangle 19">
+            <a:extLst>
+              <a:ext uri="{FF2B5EF4-FFF2-40B4-BE49-F238E27FC236}">
+                <a16:creationId xmlns:a16="http://schemas.microsoft.com/office/drawing/2014/main" id="{6D5089DD-882D-4413-B8BF-4798BFD84A98}"/>
+              </a:ext>
+              <a:ext uri="{C183D7F6-B498-43B3-948B-1728B52AA6E4}">
+                <adec:decorative xmlns:adec="http://schemas.microsoft.com/office/drawing/2017/decorative" val="1"/>
+              </a:ext>
+            </a:extLst>
+          </p:cNvPr>
+          <p:cNvSpPr>
+            <a:spLocks noGrp="1" noRot="1" noChangeAspect="1" noMove="1" noResize="1" noEditPoints="1" noAdjustHandles="1" noChangeArrowheads="1" noChangeShapeType="1" noTextEdit="1"/>
+          </p:cNvSpPr>
+          <p:nvPr>
+            <p:extLst>
+              <p:ext uri="{386F3935-93C4-4BCD-93E2-E3B085C9AB24}">
+                <p16:designElem xmlns:p16="http://schemas.microsoft.com/office/powerpoint/2015/main" val="1"/>
+              </p:ext>
+            </p:extLst>
+          </p:nvPr>
+        </p:nvSpPr>
+        <p:spPr>
+          <a:xfrm>
+            <a:off x="7537704" y="0"/>
+            <a:ext cx="4654296" cy="6858000"/>
+          </a:xfrm>
+          <a:prstGeom prst="rect">
+            <a:avLst/>
+          </a:prstGeom>
+          <a:solidFill>
+            <a:schemeClr val="tx1">
+              <a:lumMod val="95000"/>
+              <a:lumOff val="5000"/>
+            </a:schemeClr>
+          </a:solidFill>
+          <a:ln>
+            <a:noFill/>
+          </a:ln>
+        </p:spPr>
+        <p:style>
+          <a:lnRef idx="2">
+            <a:schemeClr val="accent1">
+              <a:shade val="50000"/>
+            </a:schemeClr>
+          </a:lnRef>
+          <a:fillRef idx="1">
+            <a:schemeClr val="accent1"/>
+          </a:fillRef>
+          <a:effectRef idx="0">
+            <a:schemeClr val="accent1"/>
+          </a:effectRef>
+          <a:fontRef idx="minor">
+            <a:schemeClr val="lt1"/>
+          </a:fontRef>
+        </p:style>
+        <p:txBody>
+          <a:bodyPr rtlCol="0" anchor="ctr"/>
+          <a:lstStyle/>
+          <a:p>
+            <a:pPr algn="ctr"/>
+            <a:endParaRPr lang="en-US" dirty="0"/>
+          </a:p>
+        </p:txBody>
+      </p:sp>
+      <p:sp>
+        <p:nvSpPr>
+          <p:cNvPr id="2" name="Title 1">
+            <a:extLst>
+              <a:ext uri="{FF2B5EF4-FFF2-40B4-BE49-F238E27FC236}">
+                <a16:creationId xmlns:a16="http://schemas.microsoft.com/office/drawing/2014/main" id="{8EB78894-19E5-4916-B37E-B4A80B9B8D52}"/>
+              </a:ext>
+            </a:extLst>
+          </p:cNvPr>
+          <p:cNvSpPr>
+            <a:spLocks noGrp="1"/>
+          </p:cNvSpPr>
+          <p:nvPr>
+            <p:ph type="title"/>
+          </p:nvPr>
+        </p:nvSpPr>
+        <p:spPr>
+          <a:xfrm>
+            <a:off x="8338466" y="2489373"/>
+            <a:ext cx="3363974" cy="1495794"/>
+          </a:xfrm>
+          <a:noFill/>
+          <a:ln>
+            <a:solidFill>
+              <a:srgbClr val="FFFFFF"/>
+            </a:solidFill>
+          </a:ln>
+          <a:effectLst>
+            <a:glow rad="152400">
+              <a:schemeClr val="bg1">
+                <a:alpha val="13000"/>
+              </a:schemeClr>
+            </a:glow>
+          </a:effectLst>
+        </p:spPr>
+        <p:txBody>
+          <a:bodyPr wrap="square">
+            <a:normAutofit fontScale="90000"/>
+          </a:bodyPr>
+          <a:lstStyle/>
+          <a:p>
+            <a:r>
+              <a:rPr lang="en-US" dirty="0">
+                <a:solidFill>
+                  <a:srgbClr val="FFFFFF"/>
+                </a:solidFill>
+              </a:rPr>
+              <a:t>Strategy visuals</a:t>
+            </a:r>
+            <a:br>
+              <a:rPr lang="en-US" dirty="0">
+                <a:solidFill>
+                  <a:srgbClr val="FFFFFF"/>
+                </a:solidFill>
+              </a:rPr>
+            </a:br>
+            <a:r>
+              <a:rPr lang="en-US" sz="1600" dirty="0">
+                <a:solidFill>
+                  <a:srgbClr val="FFFFFF"/>
+                </a:solidFill>
+              </a:rPr>
+              <a:t>**ADA Price, 50 day SMA, 100 day SMA**</a:t>
+            </a:r>
+          </a:p>
+        </p:txBody>
+      </p:sp>
       <p:pic>
         <p:nvPicPr>
-          <p:cNvPr id="6" name="Picture 5" descr="Chart, line chart&#10;&#10;Description automatically generated">
+          <p:cNvPr id="7" name="Picture 6" descr="Chart, line chart&#10;&#10;Description automatically generated">
             <a:extLst>
               <a:ext uri="{FF2B5EF4-FFF2-40B4-BE49-F238E27FC236}">
-                <a16:creationId xmlns:a16="http://schemas.microsoft.com/office/drawing/2014/main" id="{A4FA570F-64B5-362F-1D8B-536CAB111972}"/>
+                <a16:creationId xmlns:a16="http://schemas.microsoft.com/office/drawing/2014/main" id="{399D2B8D-4DCA-FED8-AAD1-BD56A6C6D1FE}"/>
               </a:ext>
             </a:extLst>
           </p:cNvPr>
@@ -11728,8 +11899,8 @@
         </p:blipFill>
         <p:spPr>
           <a:xfrm>
-            <a:off x="381000" y="0"/>
-            <a:ext cx="11430000" cy="6858000"/>
+            <a:off x="65532" y="1015277"/>
+            <a:ext cx="7406641" cy="4443985"/>
           </a:xfrm>
           <a:prstGeom prst="rect">
             <a:avLst/>
@@ -11739,7 +11910,7 @@
     </p:spTree>
     <p:extLst>
       <p:ext uri="{BB962C8B-B14F-4D97-AF65-F5344CB8AC3E}">
-        <p14:creationId xmlns:p14="http://schemas.microsoft.com/office/powerpoint/2010/main" val="3120858485"/>
+        <p14:creationId xmlns:p14="http://schemas.microsoft.com/office/powerpoint/2010/main" val="1179017219"/>
       </p:ext>
     </p:extLst>
   </p:cSld>
@@ -11752,6 +11923,14 @@
 <file path=ppt/slides/slide11.xml><?xml version="1.0" encoding="utf-8"?>
 <p:sld xmlns:a="http://schemas.openxmlformats.org/drawingml/2006/main" xmlns:r="http://schemas.openxmlformats.org/officeDocument/2006/relationships" xmlns:p="http://schemas.openxmlformats.org/presentationml/2006/main">
   <p:cSld>
+    <p:bg>
+      <p:bgPr>
+        <a:solidFill>
+          <a:schemeClr val="bg1"/>
+        </a:solidFill>
+        <a:effectLst/>
+      </p:bgPr>
+    </p:bg>
     <p:spTree>
       <p:nvGrpSpPr>
         <p:cNvPr id="1" name=""/>
@@ -11766,12 +11945,205 @@
           <a:chExt cx="0" cy="0"/>
         </a:xfrm>
       </p:grpSpPr>
+      <p:sp useBgFill="1">
+        <p:nvSpPr>
+          <p:cNvPr id="18" name="Rectangle 17">
+            <a:extLst>
+              <a:ext uri="{FF2B5EF4-FFF2-40B4-BE49-F238E27FC236}">
+                <a16:creationId xmlns:a16="http://schemas.microsoft.com/office/drawing/2014/main" id="{0AF33C27-9C85-4B30-9AD7-879D48AFE4FF}"/>
+              </a:ext>
+              <a:ext uri="{C183D7F6-B498-43B3-948B-1728B52AA6E4}">
+                <adec:decorative xmlns:adec="http://schemas.microsoft.com/office/drawing/2017/decorative" val="1"/>
+              </a:ext>
+            </a:extLst>
+          </p:cNvPr>
+          <p:cNvSpPr>
+            <a:spLocks noGrp="1" noRot="1" noChangeAspect="1" noMove="1" noResize="1" noEditPoints="1" noAdjustHandles="1" noChangeArrowheads="1" noChangeShapeType="1" noTextEdit="1"/>
+          </p:cNvSpPr>
+          <p:nvPr>
+            <p:extLst>
+              <p:ext uri="{386F3935-93C4-4BCD-93E2-E3B085C9AB24}">
+                <p16:designElem xmlns:p16="http://schemas.microsoft.com/office/powerpoint/2015/main" val="1"/>
+              </p:ext>
+            </p:extLst>
+          </p:nvPr>
+        </p:nvSpPr>
+        <p:spPr>
+          <a:xfrm>
+            <a:off x="0" y="0"/>
+            <a:ext cx="12191999" cy="6858000"/>
+          </a:xfrm>
+          <a:prstGeom prst="rect">
+            <a:avLst/>
+          </a:prstGeom>
+          <a:ln>
+            <a:noFill/>
+          </a:ln>
+        </p:spPr>
+        <p:style>
+          <a:lnRef idx="2">
+            <a:schemeClr val="accent1">
+              <a:shade val="50000"/>
+            </a:schemeClr>
+          </a:lnRef>
+          <a:fillRef idx="1">
+            <a:schemeClr val="accent1"/>
+          </a:fillRef>
+          <a:effectRef idx="0">
+            <a:schemeClr val="accent1"/>
+          </a:effectRef>
+          <a:fontRef idx="minor">
+            <a:schemeClr val="lt1"/>
+          </a:fontRef>
+        </p:style>
+        <p:txBody>
+          <a:bodyPr rtlCol="0" anchor="ctr"/>
+          <a:lstStyle/>
+          <a:p>
+            <a:pPr algn="ctr"/>
+            <a:endParaRPr lang="en-US" dirty="0"/>
+          </a:p>
+        </p:txBody>
+      </p:sp>
+      <p:sp>
+        <p:nvSpPr>
+          <p:cNvPr id="20" name="Rectangle 19">
+            <a:extLst>
+              <a:ext uri="{FF2B5EF4-FFF2-40B4-BE49-F238E27FC236}">
+                <a16:creationId xmlns:a16="http://schemas.microsoft.com/office/drawing/2014/main" id="{6D5089DD-882D-4413-B8BF-4798BFD84A98}"/>
+              </a:ext>
+              <a:ext uri="{C183D7F6-B498-43B3-948B-1728B52AA6E4}">
+                <adec:decorative xmlns:adec="http://schemas.microsoft.com/office/drawing/2017/decorative" val="1"/>
+              </a:ext>
+            </a:extLst>
+          </p:cNvPr>
+          <p:cNvSpPr>
+            <a:spLocks noGrp="1" noRot="1" noChangeAspect="1" noMove="1" noResize="1" noEditPoints="1" noAdjustHandles="1" noChangeArrowheads="1" noChangeShapeType="1" noTextEdit="1"/>
+          </p:cNvSpPr>
+          <p:nvPr>
+            <p:extLst>
+              <p:ext uri="{386F3935-93C4-4BCD-93E2-E3B085C9AB24}">
+                <p16:designElem xmlns:p16="http://schemas.microsoft.com/office/powerpoint/2015/main" val="1"/>
+              </p:ext>
+            </p:extLst>
+          </p:nvPr>
+        </p:nvSpPr>
+        <p:spPr>
+          <a:xfrm>
+            <a:off x="7537704" y="0"/>
+            <a:ext cx="4654296" cy="6858000"/>
+          </a:xfrm>
+          <a:prstGeom prst="rect">
+            <a:avLst/>
+          </a:prstGeom>
+          <a:solidFill>
+            <a:schemeClr val="tx1">
+              <a:lumMod val="95000"/>
+              <a:lumOff val="5000"/>
+            </a:schemeClr>
+          </a:solidFill>
+          <a:ln>
+            <a:noFill/>
+          </a:ln>
+        </p:spPr>
+        <p:style>
+          <a:lnRef idx="2">
+            <a:schemeClr val="accent1">
+              <a:shade val="50000"/>
+            </a:schemeClr>
+          </a:lnRef>
+          <a:fillRef idx="1">
+            <a:schemeClr val="accent1"/>
+          </a:fillRef>
+          <a:effectRef idx="0">
+            <a:schemeClr val="accent1"/>
+          </a:effectRef>
+          <a:fontRef idx="minor">
+            <a:schemeClr val="lt1"/>
+          </a:fontRef>
+        </p:style>
+        <p:txBody>
+          <a:bodyPr rtlCol="0" anchor="ctr"/>
+          <a:lstStyle/>
+          <a:p>
+            <a:pPr algn="ctr"/>
+            <a:endParaRPr lang="en-US" dirty="0"/>
+          </a:p>
+        </p:txBody>
+      </p:sp>
+      <p:sp>
+        <p:nvSpPr>
+          <p:cNvPr id="2" name="Title 1">
+            <a:extLst>
+              <a:ext uri="{FF2B5EF4-FFF2-40B4-BE49-F238E27FC236}">
+                <a16:creationId xmlns:a16="http://schemas.microsoft.com/office/drawing/2014/main" id="{8EB78894-19E5-4916-B37E-B4A80B9B8D52}"/>
+              </a:ext>
+            </a:extLst>
+          </p:cNvPr>
+          <p:cNvSpPr>
+            <a:spLocks noGrp="1"/>
+          </p:cNvSpPr>
+          <p:nvPr>
+            <p:ph type="title"/>
+          </p:nvPr>
+        </p:nvSpPr>
+        <p:spPr>
+          <a:xfrm>
+            <a:off x="8338466" y="2489373"/>
+            <a:ext cx="3363974" cy="1495794"/>
+          </a:xfrm>
+          <a:noFill/>
+          <a:ln>
+            <a:solidFill>
+              <a:srgbClr val="FFFFFF"/>
+            </a:solidFill>
+          </a:ln>
+          <a:effectLst>
+            <a:glow rad="152400">
+              <a:schemeClr val="bg1">
+                <a:alpha val="13000"/>
+              </a:schemeClr>
+            </a:glow>
+          </a:effectLst>
+        </p:spPr>
+        <p:txBody>
+          <a:bodyPr wrap="square">
+            <a:normAutofit/>
+          </a:bodyPr>
+          <a:lstStyle/>
+          <a:p>
+            <a:r>
+              <a:rPr lang="en-US" dirty="0">
+                <a:solidFill>
+                  <a:srgbClr val="FFFFFF"/>
+                </a:solidFill>
+              </a:rPr>
+              <a:t>Strategy visuals</a:t>
+            </a:r>
+            <a:br>
+              <a:rPr lang="en-US" dirty="0">
+                <a:solidFill>
+                  <a:srgbClr val="FFFFFF"/>
+                </a:solidFill>
+              </a:rPr>
+            </a:br>
+            <a:r>
+              <a:rPr lang="en-US" sz="1600" dirty="0">
+                <a:solidFill>
+                  <a:srgbClr val="FFFFFF"/>
+                </a:solidFill>
+              </a:rPr>
+              <a:t>**2-year window**</a:t>
+            </a:r>
+          </a:p>
+        </p:txBody>
+      </p:sp>
       <p:pic>
         <p:nvPicPr>
-          <p:cNvPr id="3" name="Picture 2" descr="Chart, line chart, histogram&#10;&#10;Description automatically generated">
+          <p:cNvPr id="4" name="Picture 3">
             <a:extLst>
               <a:ext uri="{FF2B5EF4-FFF2-40B4-BE49-F238E27FC236}">
-                <a16:creationId xmlns:a16="http://schemas.microsoft.com/office/drawing/2014/main" id="{A3D0DA23-6E0C-E2BD-1EC5-8C383E34880F}"/>
+                <a16:creationId xmlns:a16="http://schemas.microsoft.com/office/drawing/2014/main" id="{0ADB76F9-ED40-1A4B-A0CD-31F270D85890}"/>
               </a:ext>
             </a:extLst>
           </p:cNvPr>
@@ -11788,8 +12160,38 @@
         </p:blipFill>
         <p:spPr>
           <a:xfrm>
-            <a:off x="381000" y="0"/>
-            <a:ext cx="11430000" cy="6858000"/>
+            <a:off x="757497" y="3985167"/>
+            <a:ext cx="6410325" cy="2466975"/>
+          </a:xfrm>
+          <a:prstGeom prst="rect">
+            <a:avLst/>
+          </a:prstGeom>
+        </p:spPr>
+      </p:pic>
+      <p:pic>
+        <p:nvPicPr>
+          <p:cNvPr id="6" name="Picture 5">
+            <a:extLst>
+              <a:ext uri="{FF2B5EF4-FFF2-40B4-BE49-F238E27FC236}">
+                <a16:creationId xmlns:a16="http://schemas.microsoft.com/office/drawing/2014/main" id="{07688F23-4C8C-2A44-558C-153612C1D145}"/>
+              </a:ext>
+            </a:extLst>
+          </p:cNvPr>
+          <p:cNvPicPr>
+            <a:picLocks noChangeAspect="1"/>
+          </p:cNvPicPr>
+          <p:nvPr/>
+        </p:nvPicPr>
+        <p:blipFill>
+          <a:blip r:embed="rId4"/>
+          <a:stretch>
+            <a:fillRect/>
+          </a:stretch>
+        </p:blipFill>
+        <p:spPr>
+          <a:xfrm>
+            <a:off x="719073" y="636945"/>
+            <a:ext cx="6143625" cy="2600325"/>
           </a:xfrm>
           <a:prstGeom prst="rect">
             <a:avLst/>
@@ -11799,7 +12201,7 @@
     </p:spTree>
     <p:extLst>
       <p:ext uri="{BB962C8B-B14F-4D97-AF65-F5344CB8AC3E}">
-        <p14:creationId xmlns:p14="http://schemas.microsoft.com/office/powerpoint/2010/main" val="1581332847"/>
+        <p14:creationId xmlns:p14="http://schemas.microsoft.com/office/powerpoint/2010/main" val="3448316882"/>
       </p:ext>
     </p:extLst>
   </p:cSld>
@@ -11812,6 +12214,14 @@
 <file path=ppt/slides/slide12.xml><?xml version="1.0" encoding="utf-8"?>
 <p:sld xmlns:a="http://schemas.openxmlformats.org/drawingml/2006/main" xmlns:r="http://schemas.openxmlformats.org/officeDocument/2006/relationships" xmlns:p="http://schemas.openxmlformats.org/presentationml/2006/main">
   <p:cSld>
+    <p:bg>
+      <p:bgPr>
+        <a:solidFill>
+          <a:schemeClr val="bg1"/>
+        </a:solidFill>
+        <a:effectLst/>
+      </p:bgPr>
+    </p:bg>
     <p:spTree>
       <p:nvGrpSpPr>
         <p:cNvPr id="1" name=""/>
@@ -11826,12 +12236,205 @@
           <a:chExt cx="0" cy="0"/>
         </a:xfrm>
       </p:grpSpPr>
+      <p:sp useBgFill="1">
+        <p:nvSpPr>
+          <p:cNvPr id="18" name="Rectangle 17">
+            <a:extLst>
+              <a:ext uri="{FF2B5EF4-FFF2-40B4-BE49-F238E27FC236}">
+                <a16:creationId xmlns:a16="http://schemas.microsoft.com/office/drawing/2014/main" id="{0AF33C27-9C85-4B30-9AD7-879D48AFE4FF}"/>
+              </a:ext>
+              <a:ext uri="{C183D7F6-B498-43B3-948B-1728B52AA6E4}">
+                <adec:decorative xmlns:adec="http://schemas.microsoft.com/office/drawing/2017/decorative" val="1"/>
+              </a:ext>
+            </a:extLst>
+          </p:cNvPr>
+          <p:cNvSpPr>
+            <a:spLocks noGrp="1" noRot="1" noChangeAspect="1" noMove="1" noResize="1" noEditPoints="1" noAdjustHandles="1" noChangeArrowheads="1" noChangeShapeType="1" noTextEdit="1"/>
+          </p:cNvSpPr>
+          <p:nvPr>
+            <p:extLst>
+              <p:ext uri="{386F3935-93C4-4BCD-93E2-E3B085C9AB24}">
+                <p16:designElem xmlns:p16="http://schemas.microsoft.com/office/powerpoint/2015/main" val="1"/>
+              </p:ext>
+            </p:extLst>
+          </p:nvPr>
+        </p:nvSpPr>
+        <p:spPr>
+          <a:xfrm>
+            <a:off x="0" y="0"/>
+            <a:ext cx="12191999" cy="6858000"/>
+          </a:xfrm>
+          <a:prstGeom prst="rect">
+            <a:avLst/>
+          </a:prstGeom>
+          <a:ln>
+            <a:noFill/>
+          </a:ln>
+        </p:spPr>
+        <p:style>
+          <a:lnRef idx="2">
+            <a:schemeClr val="accent1">
+              <a:shade val="50000"/>
+            </a:schemeClr>
+          </a:lnRef>
+          <a:fillRef idx="1">
+            <a:schemeClr val="accent1"/>
+          </a:fillRef>
+          <a:effectRef idx="0">
+            <a:schemeClr val="accent1"/>
+          </a:effectRef>
+          <a:fontRef idx="minor">
+            <a:schemeClr val="lt1"/>
+          </a:fontRef>
+        </p:style>
+        <p:txBody>
+          <a:bodyPr rtlCol="0" anchor="ctr"/>
+          <a:lstStyle/>
+          <a:p>
+            <a:pPr algn="ctr"/>
+            <a:endParaRPr lang="en-US" dirty="0"/>
+          </a:p>
+        </p:txBody>
+      </p:sp>
+      <p:sp>
+        <p:nvSpPr>
+          <p:cNvPr id="20" name="Rectangle 19">
+            <a:extLst>
+              <a:ext uri="{FF2B5EF4-FFF2-40B4-BE49-F238E27FC236}">
+                <a16:creationId xmlns:a16="http://schemas.microsoft.com/office/drawing/2014/main" id="{6D5089DD-882D-4413-B8BF-4798BFD84A98}"/>
+              </a:ext>
+              <a:ext uri="{C183D7F6-B498-43B3-948B-1728B52AA6E4}">
+                <adec:decorative xmlns:adec="http://schemas.microsoft.com/office/drawing/2017/decorative" val="1"/>
+              </a:ext>
+            </a:extLst>
+          </p:cNvPr>
+          <p:cNvSpPr>
+            <a:spLocks noGrp="1" noRot="1" noChangeAspect="1" noMove="1" noResize="1" noEditPoints="1" noAdjustHandles="1" noChangeArrowheads="1" noChangeShapeType="1" noTextEdit="1"/>
+          </p:cNvSpPr>
+          <p:nvPr>
+            <p:extLst>
+              <p:ext uri="{386F3935-93C4-4BCD-93E2-E3B085C9AB24}">
+                <p16:designElem xmlns:p16="http://schemas.microsoft.com/office/powerpoint/2015/main" val="1"/>
+              </p:ext>
+            </p:extLst>
+          </p:nvPr>
+        </p:nvSpPr>
+        <p:spPr>
+          <a:xfrm>
+            <a:off x="7537704" y="0"/>
+            <a:ext cx="4654296" cy="6858000"/>
+          </a:xfrm>
+          <a:prstGeom prst="rect">
+            <a:avLst/>
+          </a:prstGeom>
+          <a:solidFill>
+            <a:schemeClr val="tx1">
+              <a:lumMod val="95000"/>
+              <a:lumOff val="5000"/>
+            </a:schemeClr>
+          </a:solidFill>
+          <a:ln>
+            <a:noFill/>
+          </a:ln>
+        </p:spPr>
+        <p:style>
+          <a:lnRef idx="2">
+            <a:schemeClr val="accent1">
+              <a:shade val="50000"/>
+            </a:schemeClr>
+          </a:lnRef>
+          <a:fillRef idx="1">
+            <a:schemeClr val="accent1"/>
+          </a:fillRef>
+          <a:effectRef idx="0">
+            <a:schemeClr val="accent1"/>
+          </a:effectRef>
+          <a:fontRef idx="minor">
+            <a:schemeClr val="lt1"/>
+          </a:fontRef>
+        </p:style>
+        <p:txBody>
+          <a:bodyPr rtlCol="0" anchor="ctr"/>
+          <a:lstStyle/>
+          <a:p>
+            <a:pPr algn="ctr"/>
+            <a:endParaRPr lang="en-US" dirty="0"/>
+          </a:p>
+        </p:txBody>
+      </p:sp>
+      <p:sp>
+        <p:nvSpPr>
+          <p:cNvPr id="2" name="Title 1">
+            <a:extLst>
+              <a:ext uri="{FF2B5EF4-FFF2-40B4-BE49-F238E27FC236}">
+                <a16:creationId xmlns:a16="http://schemas.microsoft.com/office/drawing/2014/main" id="{8EB78894-19E5-4916-B37E-B4A80B9B8D52}"/>
+              </a:ext>
+            </a:extLst>
+          </p:cNvPr>
+          <p:cNvSpPr>
+            <a:spLocks noGrp="1"/>
+          </p:cNvSpPr>
+          <p:nvPr>
+            <p:ph type="title"/>
+          </p:nvPr>
+        </p:nvSpPr>
+        <p:spPr>
+          <a:xfrm>
+            <a:off x="8338466" y="2489373"/>
+            <a:ext cx="3363974" cy="1495794"/>
+          </a:xfrm>
+          <a:noFill/>
+          <a:ln>
+            <a:solidFill>
+              <a:srgbClr val="FFFFFF"/>
+            </a:solidFill>
+          </a:ln>
+          <a:effectLst>
+            <a:glow rad="152400">
+              <a:schemeClr val="bg1">
+                <a:alpha val="13000"/>
+              </a:schemeClr>
+            </a:glow>
+          </a:effectLst>
+        </p:spPr>
+        <p:txBody>
+          <a:bodyPr wrap="square">
+            <a:normAutofit fontScale="90000"/>
+          </a:bodyPr>
+          <a:lstStyle/>
+          <a:p>
+            <a:r>
+              <a:rPr lang="en-US" dirty="0">
+                <a:solidFill>
+                  <a:srgbClr val="FFFFFF"/>
+                </a:solidFill>
+              </a:rPr>
+              <a:t>Strategy visuals</a:t>
+            </a:r>
+            <a:br>
+              <a:rPr lang="en-US" dirty="0">
+                <a:solidFill>
+                  <a:srgbClr val="FFFFFF"/>
+                </a:solidFill>
+              </a:rPr>
+            </a:br>
+            <a:r>
+              <a:rPr lang="en-US" sz="1600" dirty="0">
+                <a:solidFill>
+                  <a:srgbClr val="FFFFFF"/>
+                </a:solidFill>
+              </a:rPr>
+              <a:t>**First 100 days vs last 100 days**</a:t>
+            </a:r>
+          </a:p>
+        </p:txBody>
+      </p:sp>
       <p:pic>
         <p:nvPicPr>
-          <p:cNvPr id="3" name="Picture 2" descr="Chart, histogram&#10;&#10;Description automatically generated">
+          <p:cNvPr id="5" name="Picture 4">
             <a:extLst>
               <a:ext uri="{FF2B5EF4-FFF2-40B4-BE49-F238E27FC236}">
-                <a16:creationId xmlns:a16="http://schemas.microsoft.com/office/drawing/2014/main" id="{7A1017CF-231E-DD16-605B-3645E7F8A3A9}"/>
+                <a16:creationId xmlns:a16="http://schemas.microsoft.com/office/drawing/2014/main" id="{2A09BB2C-B818-18A3-9A15-BADB5F737DFD}"/>
               </a:ext>
             </a:extLst>
           </p:cNvPr>
@@ -11848,8 +12451,38 @@
         </p:blipFill>
         <p:spPr>
           <a:xfrm>
-            <a:off x="381000" y="0"/>
-            <a:ext cx="11430000" cy="6858000"/>
+            <a:off x="1131760" y="294966"/>
+            <a:ext cx="4911998" cy="3029319"/>
+          </a:xfrm>
+          <a:prstGeom prst="rect">
+            <a:avLst/>
+          </a:prstGeom>
+        </p:spPr>
+      </p:pic>
+      <p:pic>
+        <p:nvPicPr>
+          <p:cNvPr id="9" name="Picture 8" descr="Chart, histogram&#10;&#10;Description automatically generated">
+            <a:extLst>
+              <a:ext uri="{FF2B5EF4-FFF2-40B4-BE49-F238E27FC236}">
+                <a16:creationId xmlns:a16="http://schemas.microsoft.com/office/drawing/2014/main" id="{6C7FFC03-46BA-5499-251D-AC668F412409}"/>
+              </a:ext>
+            </a:extLst>
+          </p:cNvPr>
+          <p:cNvPicPr>
+            <a:picLocks noChangeAspect="1"/>
+          </p:cNvPicPr>
+          <p:nvPr/>
+        </p:nvPicPr>
+        <p:blipFill>
+          <a:blip r:embed="rId4"/>
+          <a:stretch>
+            <a:fillRect/>
+          </a:stretch>
+        </p:blipFill>
+        <p:spPr>
+          <a:xfrm>
+            <a:off x="587476" y="3120759"/>
+            <a:ext cx="5909185" cy="3545511"/>
           </a:xfrm>
           <a:prstGeom prst="rect">
             <a:avLst/>
@@ -11859,7 +12492,7 @@
     </p:spTree>
     <p:extLst>
       <p:ext uri="{BB962C8B-B14F-4D97-AF65-F5344CB8AC3E}">
-        <p14:creationId xmlns:p14="http://schemas.microsoft.com/office/powerpoint/2010/main" val="1492350881"/>
+        <p14:creationId xmlns:p14="http://schemas.microsoft.com/office/powerpoint/2010/main" val="1768107468"/>
       </p:ext>
     </p:extLst>
   </p:cSld>
@@ -11872,6 +12505,14 @@
 <file path=ppt/slides/slide13.xml><?xml version="1.0" encoding="utf-8"?>
 <p:sld xmlns:a="http://schemas.openxmlformats.org/drawingml/2006/main" xmlns:r="http://schemas.openxmlformats.org/officeDocument/2006/relationships" xmlns:p="http://schemas.openxmlformats.org/presentationml/2006/main">
   <p:cSld>
+    <p:bg>
+      <p:bgPr>
+        <a:solidFill>
+          <a:schemeClr val="bg1"/>
+        </a:solidFill>
+        <a:effectLst/>
+      </p:bgPr>
+    </p:bg>
     <p:spTree>
       <p:nvGrpSpPr>
         <p:cNvPr id="1" name=""/>
@@ -11886,12 +12527,205 @@
           <a:chExt cx="0" cy="0"/>
         </a:xfrm>
       </p:grpSpPr>
+      <p:sp useBgFill="1">
+        <p:nvSpPr>
+          <p:cNvPr id="18" name="Rectangle 17">
+            <a:extLst>
+              <a:ext uri="{FF2B5EF4-FFF2-40B4-BE49-F238E27FC236}">
+                <a16:creationId xmlns:a16="http://schemas.microsoft.com/office/drawing/2014/main" id="{0AF33C27-9C85-4B30-9AD7-879D48AFE4FF}"/>
+              </a:ext>
+              <a:ext uri="{C183D7F6-B498-43B3-948B-1728B52AA6E4}">
+                <adec:decorative xmlns:adec="http://schemas.microsoft.com/office/drawing/2017/decorative" val="1"/>
+              </a:ext>
+            </a:extLst>
+          </p:cNvPr>
+          <p:cNvSpPr>
+            <a:spLocks noGrp="1" noRot="1" noChangeAspect="1" noMove="1" noResize="1" noEditPoints="1" noAdjustHandles="1" noChangeArrowheads="1" noChangeShapeType="1" noTextEdit="1"/>
+          </p:cNvSpPr>
+          <p:nvPr>
+            <p:extLst>
+              <p:ext uri="{386F3935-93C4-4BCD-93E2-E3B085C9AB24}">
+                <p16:designElem xmlns:p16="http://schemas.microsoft.com/office/powerpoint/2015/main" val="1"/>
+              </p:ext>
+            </p:extLst>
+          </p:nvPr>
+        </p:nvSpPr>
+        <p:spPr>
+          <a:xfrm>
+            <a:off x="0" y="0"/>
+            <a:ext cx="12191999" cy="6858000"/>
+          </a:xfrm>
+          <a:prstGeom prst="rect">
+            <a:avLst/>
+          </a:prstGeom>
+          <a:ln>
+            <a:noFill/>
+          </a:ln>
+        </p:spPr>
+        <p:style>
+          <a:lnRef idx="2">
+            <a:schemeClr val="accent1">
+              <a:shade val="50000"/>
+            </a:schemeClr>
+          </a:lnRef>
+          <a:fillRef idx="1">
+            <a:schemeClr val="accent1"/>
+          </a:fillRef>
+          <a:effectRef idx="0">
+            <a:schemeClr val="accent1"/>
+          </a:effectRef>
+          <a:fontRef idx="minor">
+            <a:schemeClr val="lt1"/>
+          </a:fontRef>
+        </p:style>
+        <p:txBody>
+          <a:bodyPr rtlCol="0" anchor="ctr"/>
+          <a:lstStyle/>
+          <a:p>
+            <a:pPr algn="ctr"/>
+            <a:endParaRPr lang="en-US" dirty="0"/>
+          </a:p>
+        </p:txBody>
+      </p:sp>
+      <p:sp>
+        <p:nvSpPr>
+          <p:cNvPr id="20" name="Rectangle 19">
+            <a:extLst>
+              <a:ext uri="{FF2B5EF4-FFF2-40B4-BE49-F238E27FC236}">
+                <a16:creationId xmlns:a16="http://schemas.microsoft.com/office/drawing/2014/main" id="{6D5089DD-882D-4413-B8BF-4798BFD84A98}"/>
+              </a:ext>
+              <a:ext uri="{C183D7F6-B498-43B3-948B-1728B52AA6E4}">
+                <adec:decorative xmlns:adec="http://schemas.microsoft.com/office/drawing/2017/decorative" val="1"/>
+              </a:ext>
+            </a:extLst>
+          </p:cNvPr>
+          <p:cNvSpPr>
+            <a:spLocks noGrp="1" noRot="1" noChangeAspect="1" noMove="1" noResize="1" noEditPoints="1" noAdjustHandles="1" noChangeArrowheads="1" noChangeShapeType="1" noTextEdit="1"/>
+          </p:cNvSpPr>
+          <p:nvPr>
+            <p:extLst>
+              <p:ext uri="{386F3935-93C4-4BCD-93E2-E3B085C9AB24}">
+                <p16:designElem xmlns:p16="http://schemas.microsoft.com/office/powerpoint/2015/main" val="1"/>
+              </p:ext>
+            </p:extLst>
+          </p:nvPr>
+        </p:nvSpPr>
+        <p:spPr>
+          <a:xfrm>
+            <a:off x="7537704" y="0"/>
+            <a:ext cx="4654296" cy="6858000"/>
+          </a:xfrm>
+          <a:prstGeom prst="rect">
+            <a:avLst/>
+          </a:prstGeom>
+          <a:solidFill>
+            <a:schemeClr val="tx1">
+              <a:lumMod val="95000"/>
+              <a:lumOff val="5000"/>
+            </a:schemeClr>
+          </a:solidFill>
+          <a:ln>
+            <a:noFill/>
+          </a:ln>
+        </p:spPr>
+        <p:style>
+          <a:lnRef idx="2">
+            <a:schemeClr val="accent1">
+              <a:shade val="50000"/>
+            </a:schemeClr>
+          </a:lnRef>
+          <a:fillRef idx="1">
+            <a:schemeClr val="accent1"/>
+          </a:fillRef>
+          <a:effectRef idx="0">
+            <a:schemeClr val="accent1"/>
+          </a:effectRef>
+          <a:fontRef idx="minor">
+            <a:schemeClr val="lt1"/>
+          </a:fontRef>
+        </p:style>
+        <p:txBody>
+          <a:bodyPr rtlCol="0" anchor="ctr"/>
+          <a:lstStyle/>
+          <a:p>
+            <a:pPr algn="ctr"/>
+            <a:endParaRPr lang="en-US" dirty="0"/>
+          </a:p>
+        </p:txBody>
+      </p:sp>
+      <p:sp>
+        <p:nvSpPr>
+          <p:cNvPr id="2" name="Title 1">
+            <a:extLst>
+              <a:ext uri="{FF2B5EF4-FFF2-40B4-BE49-F238E27FC236}">
+                <a16:creationId xmlns:a16="http://schemas.microsoft.com/office/drawing/2014/main" id="{8EB78894-19E5-4916-B37E-B4A80B9B8D52}"/>
+              </a:ext>
+            </a:extLst>
+          </p:cNvPr>
+          <p:cNvSpPr>
+            <a:spLocks noGrp="1"/>
+          </p:cNvSpPr>
+          <p:nvPr>
+            <p:ph type="title"/>
+          </p:nvPr>
+        </p:nvSpPr>
+        <p:spPr>
+          <a:xfrm>
+            <a:off x="8338466" y="2489373"/>
+            <a:ext cx="3363974" cy="1495794"/>
+          </a:xfrm>
+          <a:noFill/>
+          <a:ln>
+            <a:solidFill>
+              <a:srgbClr val="FFFFFF"/>
+            </a:solidFill>
+          </a:ln>
+          <a:effectLst>
+            <a:glow rad="152400">
+              <a:schemeClr val="bg1">
+                <a:alpha val="13000"/>
+              </a:schemeClr>
+            </a:glow>
+          </a:effectLst>
+        </p:spPr>
+        <p:txBody>
+          <a:bodyPr wrap="square">
+            <a:normAutofit/>
+          </a:bodyPr>
+          <a:lstStyle/>
+          <a:p>
+            <a:r>
+              <a:rPr lang="en-US" dirty="0">
+                <a:solidFill>
+                  <a:srgbClr val="FFFFFF"/>
+                </a:solidFill>
+              </a:rPr>
+              <a:t>Strategy visuals</a:t>
+            </a:r>
+            <a:br>
+              <a:rPr lang="en-US" dirty="0">
+                <a:solidFill>
+                  <a:srgbClr val="FFFFFF"/>
+                </a:solidFill>
+              </a:rPr>
+            </a:br>
+            <a:r>
+              <a:rPr lang="en-US" sz="1600" dirty="0">
+                <a:solidFill>
+                  <a:srgbClr val="FFFFFF"/>
+                </a:solidFill>
+              </a:rPr>
+              <a:t>**1-year window**</a:t>
+            </a:r>
+          </a:p>
+        </p:txBody>
+      </p:sp>
       <p:pic>
         <p:nvPicPr>
-          <p:cNvPr id="3" name="Picture 2" descr="Chart, line chart&#10;&#10;Description automatically generated">
+          <p:cNvPr id="4" name="Picture 3">
             <a:extLst>
               <a:ext uri="{FF2B5EF4-FFF2-40B4-BE49-F238E27FC236}">
-                <a16:creationId xmlns:a16="http://schemas.microsoft.com/office/drawing/2014/main" id="{EADC47D3-B044-A68C-A33E-54FCA837EB5F}"/>
+                <a16:creationId xmlns:a16="http://schemas.microsoft.com/office/drawing/2014/main" id="{1FB292D6-03AA-6EA1-FCE1-F229CB905875}"/>
               </a:ext>
             </a:extLst>
           </p:cNvPr>
@@ -11908,8 +12742,38 @@
         </p:blipFill>
         <p:spPr>
           <a:xfrm>
-            <a:off x="381000" y="0"/>
-            <a:ext cx="11430000" cy="6858000"/>
+            <a:off x="530352" y="3985167"/>
+            <a:ext cx="6477000" cy="2438400"/>
+          </a:xfrm>
+          <a:prstGeom prst="rect">
+            <a:avLst/>
+          </a:prstGeom>
+        </p:spPr>
+      </p:pic>
+      <p:pic>
+        <p:nvPicPr>
+          <p:cNvPr id="8" name="Picture 7" descr="Chart, line chart&#10;&#10;Description automatically generated">
+            <a:extLst>
+              <a:ext uri="{FF2B5EF4-FFF2-40B4-BE49-F238E27FC236}">
+                <a16:creationId xmlns:a16="http://schemas.microsoft.com/office/drawing/2014/main" id="{FE9AA1C1-E4C3-8ACF-8386-7FC1314DCBB4}"/>
+              </a:ext>
+            </a:extLst>
+          </p:cNvPr>
+          <p:cNvPicPr>
+            <a:picLocks noChangeAspect="1"/>
+          </p:cNvPicPr>
+          <p:nvPr/>
+        </p:nvPicPr>
+        <p:blipFill>
+          <a:blip r:embed="rId4"/>
+          <a:stretch>
+            <a:fillRect/>
+          </a:stretch>
+        </p:blipFill>
+        <p:spPr>
+          <a:xfrm>
+            <a:off x="716597" y="107798"/>
+            <a:ext cx="6104510" cy="3662706"/>
           </a:xfrm>
           <a:prstGeom prst="rect">
             <a:avLst/>
@@ -11919,7 +12783,7 @@
     </p:spTree>
     <p:extLst>
       <p:ext uri="{BB962C8B-B14F-4D97-AF65-F5344CB8AC3E}">
-        <p14:creationId xmlns:p14="http://schemas.microsoft.com/office/powerpoint/2010/main" val="4139444695"/>
+        <p14:creationId xmlns:p14="http://schemas.microsoft.com/office/powerpoint/2010/main" val="659557909"/>
       </p:ext>
     </p:extLst>
   </p:cSld>
@@ -11962,37 +12826,20 @@
             <p:ph type="title"/>
           </p:nvPr>
         </p:nvSpPr>
-        <p:spPr/>
+        <p:spPr>
+          <a:xfrm>
+            <a:off x="2231136" y="2834640"/>
+            <a:ext cx="7729728" cy="1188720"/>
+          </a:xfrm>
+        </p:spPr>
         <p:txBody>
           <a:bodyPr/>
           <a:lstStyle/>
           <a:p>
-            <a:endParaRPr lang="en-US"/>
-          </a:p>
-        </p:txBody>
-      </p:sp>
-      <p:sp>
-        <p:nvSpPr>
-          <p:cNvPr id="3" name="Content Placeholder 2">
-            <a:extLst>
-              <a:ext uri="{FF2B5EF4-FFF2-40B4-BE49-F238E27FC236}">
-                <a16:creationId xmlns:a16="http://schemas.microsoft.com/office/drawing/2014/main" id="{412BD3F3-B175-D080-2BE4-E4FAD7533F7A}"/>
-              </a:ext>
-            </a:extLst>
-          </p:cNvPr>
-          <p:cNvSpPr>
-            <a:spLocks noGrp="1"/>
-          </p:cNvSpPr>
-          <p:nvPr>
-            <p:ph idx="1"/>
-          </p:nvPr>
-        </p:nvSpPr>
-        <p:spPr/>
-        <p:txBody>
-          <a:bodyPr/>
-          <a:lstStyle/>
-          <a:p>
-            <a:endParaRPr lang="en-US"/>
+            <a:r>
+              <a:rPr lang="en-US" dirty="0"/>
+              <a:t>Questions??</a:t>
+            </a:r>
           </a:p>
         </p:txBody>
       </p:sp>
@@ -12106,19 +12953,29 @@
           </a:bodyPr>
           <a:lstStyle/>
           <a:p>
+            <a:pPr marL="0" indent="0" algn="ctr">
+              <a:buNone/>
+            </a:pPr>
             <a:r>
-              <a:rPr lang="en-US" dirty="0"/>
-              <a:t>Objective:</a:t>
+              <a:rPr lang="en-US" i="1" u="sng" dirty="0"/>
+              <a:t>Objectives</a:t>
             </a:r>
           </a:p>
           <a:p>
-            <a:pPr lvl="1"/>
+            <a:pPr>
+              <a:buFont typeface="Wingdings" panose="05000000000000000000" pitchFamily="2" charset="2"/>
+              <a:buChar char="Ø"/>
+            </a:pPr>
             <a:r>
               <a:rPr lang="en-US" dirty="0"/>
               <a:t>Create and compare sentiment-based trading (simple), ML strategy, and HODL approach</a:t>
             </a:r>
           </a:p>
           <a:p>
+            <a:pPr>
+              <a:buFont typeface="Wingdings" panose="05000000000000000000" pitchFamily="2" charset="2"/>
+              <a:buChar char="Ø"/>
+            </a:pPr>
             <a:r>
               <a:rPr lang="en-US" dirty="0">
                 <a:latin typeface="-apple-system"/>
@@ -12127,6 +12984,10 @@
             </a:r>
           </a:p>
           <a:p>
+            <a:pPr>
+              <a:buFont typeface="Wingdings" panose="05000000000000000000" pitchFamily="2" charset="2"/>
+              <a:buChar char="Ø"/>
+            </a:pPr>
             <a:r>
               <a:rPr lang="en-US" dirty="0"/>
               <a:t>Time Frame: 1-2 years</a:t>
@@ -12722,23 +13583,7 @@
                   <a:srgbClr val="FFFFFF"/>
                 </a:solidFill>
               </a:rPr>
-              <a:t>• </a:t>
-            </a:r>
-            <a:r>
-              <a:rPr lang="en-US" dirty="0" err="1">
-                <a:solidFill>
-                  <a:srgbClr val="FFFFFF"/>
-                </a:solidFill>
-              </a:rPr>
-              <a:t>Fastquant</a:t>
-            </a:r>
-            <a:r>
-              <a:rPr lang="en-US" dirty="0">
-                <a:solidFill>
-                  <a:srgbClr val="FFFFFF"/>
-                </a:solidFill>
-              </a:rPr>
-              <a:t> (Crypto volume, prices)</a:t>
+              <a:t>• Fastquant (Crypto volume, prices)</a:t>
             </a:r>
           </a:p>
           <a:p>
@@ -12758,23 +13603,7 @@
                   <a:srgbClr val="FFFFFF"/>
                 </a:solidFill>
               </a:rPr>
-              <a:t>• </a:t>
-            </a:r>
-            <a:r>
-              <a:rPr lang="en-US" dirty="0" err="1">
-                <a:solidFill>
-                  <a:srgbClr val="FFFFFF"/>
-                </a:solidFill>
-              </a:rPr>
-              <a:t>Alternative.me</a:t>
-            </a:r>
-            <a:r>
-              <a:rPr lang="en-US" dirty="0">
-                <a:solidFill>
-                  <a:srgbClr val="FFFFFF"/>
-                </a:solidFill>
-              </a:rPr>
-              <a:t> (Fear &amp; Greed Index)</a:t>
+              <a:t>• Alternative.me (Fear &amp; Greed Index)</a:t>
             </a:r>
           </a:p>
           <a:p>
@@ -12794,23 +13623,7 @@
                   <a:srgbClr val="FFFFFF"/>
                 </a:solidFill>
               </a:rPr>
-              <a:t>• </a:t>
-            </a:r>
-            <a:r>
-              <a:rPr lang="en-US" dirty="0" err="1">
-                <a:solidFill>
-                  <a:srgbClr val="FFFFFF"/>
-                </a:solidFill>
-              </a:rPr>
-              <a:t>Pytrend</a:t>
-            </a:r>
-            <a:r>
-              <a:rPr lang="en-US" dirty="0">
-                <a:solidFill>
-                  <a:srgbClr val="FFFFFF"/>
-                </a:solidFill>
-              </a:rPr>
-              <a:t> (Google Search Trends)</a:t>
+              <a:t>• Pytrend (Google Search Trends)</a:t>
             </a:r>
           </a:p>
           <a:p>
@@ -12922,23 +13735,7 @@
                   <a:srgbClr val="FFFFFF"/>
                 </a:solidFill>
               </a:rPr>
-              <a:t>• </a:t>
-            </a:r>
-            <a:r>
-              <a:rPr lang="en-US" dirty="0" err="1">
-                <a:solidFill>
-                  <a:srgbClr val="FFFFFF"/>
-                </a:solidFill>
-              </a:rPr>
-              <a:t>SciKitLearn</a:t>
-            </a:r>
-            <a:r>
-              <a:rPr lang="en-US" dirty="0">
-                <a:solidFill>
-                  <a:srgbClr val="FFFFFF"/>
-                </a:solidFill>
-              </a:rPr>
-              <a:t>*</a:t>
+              <a:t>• SciKitLearn*</a:t>
             </a:r>
           </a:p>
           <a:p>
@@ -13126,17 +13923,6 @@
               <a:buChar char="•"/>
             </a:pPr>
             <a:r>
-              <a:rPr lang="en-US" sz="1500" dirty="0" err="1">
-                <a:solidFill>
-                  <a:schemeClr val="tx1">
-                    <a:lumMod val="85000"/>
-                    <a:lumOff val="15000"/>
-                  </a:schemeClr>
-                </a:solidFill>
-              </a:rPr>
-              <a:t>SciKitLearn</a:t>
-            </a:r>
-            <a:r>
               <a:rPr lang="en-US" sz="1500" dirty="0">
                 <a:solidFill>
                   <a:schemeClr val="tx1">
@@ -13145,7 +13931,7 @@
                   </a:schemeClr>
                 </a:solidFill>
               </a:rPr>
-              <a:t> errors (version compatibility)</a:t>
+              <a:t>SciKitLearn errors (version compatibility)</a:t>
             </a:r>
           </a:p>
           <a:p>
@@ -13223,29 +14009,7 @@
                   </a:schemeClr>
                 </a:solidFill>
               </a:rPr>
-              <a:t>Only used </a:t>
-            </a:r>
-            <a:r>
-              <a:rPr lang="en-US" sz="1500" dirty="0" err="1">
-                <a:solidFill>
-                  <a:schemeClr val="tx1">
-                    <a:lumMod val="85000"/>
-                    <a:lumOff val="15000"/>
-                  </a:schemeClr>
-                </a:solidFill>
-              </a:rPr>
-              <a:t>Cardano</a:t>
-            </a:r>
-            <a:r>
-              <a:rPr lang="en-US" sz="1500" dirty="0">
-                <a:solidFill>
-                  <a:schemeClr val="tx1">
-                    <a:lumMod val="85000"/>
-                    <a:lumOff val="15000"/>
-                  </a:schemeClr>
-                </a:solidFill>
-              </a:rPr>
-              <a:t> (ADA)</a:t>
+              <a:t>Only used Cardano (ADA)</a:t>
             </a:r>
           </a:p>
           <a:p>
@@ -14228,7 +14992,7 @@
         </p:nvSpPr>
         <p:spPr>
           <a:xfrm>
-            <a:off x="804672" y="1290025"/>
+            <a:off x="798511" y="640080"/>
             <a:ext cx="4475892" cy="1188720"/>
           </a:xfrm>
           <a:solidFill>
@@ -14278,8 +15042,8 @@
         </p:nvSpPr>
         <p:spPr>
           <a:xfrm>
-            <a:off x="804672" y="2858703"/>
-            <a:ext cx="4475892" cy="3042547"/>
+            <a:off x="554539" y="2406936"/>
+            <a:ext cx="4819773" cy="3665396"/>
           </a:xfrm>
         </p:spPr>
         <p:txBody>
@@ -14295,7 +15059,7 @@
                 </a:solidFill>
                 <a:latin typeface="-apple-system"/>
               </a:rPr>
-              <a:t>Is it better to buy and hold or develop a trading strategy?</a:t>
+              <a:t>1. Is it better to buy and hold or develop a trading strategy?</a:t>
             </a:r>
           </a:p>
           <a:p>
@@ -14314,7 +15078,7 @@
                 </a:solidFill>
                 <a:latin typeface="-apple-system"/>
               </a:rPr>
-              <a:t>Would there be patterns in volatility between the three crypto coins?</a:t>
+              <a:t>2. Would there be patterns in volatility between the three crypto coins?</a:t>
             </a:r>
           </a:p>
           <a:p>
@@ -14333,7 +15097,7 @@
                 </a:solidFill>
                 <a:latin typeface="-apple-system"/>
               </a:rPr>
-              <a:t>Can you use a trading strategy to grow in a bear market?</a:t>
+              <a:t>3. Can you create a trading strategy to grow or preserve wealth in a bear market?</a:t>
             </a:r>
           </a:p>
           <a:p>
@@ -14571,6 +15335,357 @@
           <a:chExt cx="0" cy="0"/>
         </a:xfrm>
       </p:grpSpPr>
+      <p:sp>
+        <p:nvSpPr>
+          <p:cNvPr id="8199" name="Rectangle 8198">
+            <a:extLst>
+              <a:ext uri="{FF2B5EF4-FFF2-40B4-BE49-F238E27FC236}">
+                <a16:creationId xmlns:a16="http://schemas.microsoft.com/office/drawing/2014/main" id="{8DCA398B-8CB4-4C0C-89C6-A8AB6F78D7DD}"/>
+              </a:ext>
+              <a:ext uri="{C183D7F6-B498-43B3-948B-1728B52AA6E4}">
+                <adec:decorative xmlns:adec="http://schemas.microsoft.com/office/drawing/2017/decorative" val="1"/>
+              </a:ext>
+            </a:extLst>
+          </p:cNvPr>
+          <p:cNvSpPr>
+            <a:spLocks noGrp="1" noRot="1" noChangeAspect="1" noMove="1" noResize="1" noEditPoints="1" noAdjustHandles="1" noChangeArrowheads="1" noChangeShapeType="1" noTextEdit="1"/>
+          </p:cNvSpPr>
+          <p:nvPr>
+            <p:extLst>
+              <p:ext uri="{386F3935-93C4-4BCD-93E2-E3B085C9AB24}">
+                <p16:designElem xmlns:p16="http://schemas.microsoft.com/office/powerpoint/2015/main" val="1"/>
+              </p:ext>
+            </p:extLst>
+          </p:nvPr>
+        </p:nvSpPr>
+        <p:spPr>
+          <a:xfrm>
+            <a:off x="0" y="-2"/>
+            <a:ext cx="6072915" cy="6858002"/>
+          </a:xfrm>
+          <a:prstGeom prst="rect">
+            <a:avLst/>
+          </a:prstGeom>
+          <a:solidFill>
+            <a:schemeClr val="accent2"/>
+          </a:solidFill>
+          <a:ln>
+            <a:noFill/>
+          </a:ln>
+        </p:spPr>
+        <p:style>
+          <a:lnRef idx="2">
+            <a:schemeClr val="accent1">
+              <a:shade val="50000"/>
+            </a:schemeClr>
+          </a:lnRef>
+          <a:fillRef idx="1">
+            <a:schemeClr val="accent1"/>
+          </a:fillRef>
+          <a:effectRef idx="0">
+            <a:schemeClr val="accent1"/>
+          </a:effectRef>
+          <a:fontRef idx="minor">
+            <a:schemeClr val="lt1"/>
+          </a:fontRef>
+        </p:style>
+        <p:txBody>
+          <a:bodyPr rtlCol="0" anchor="ctr"/>
+          <a:lstStyle/>
+          <a:p>
+            <a:pPr algn="ctr"/>
+            <a:endParaRPr lang="en-US"/>
+          </a:p>
+        </p:txBody>
+      </p:sp>
+      <p:sp>
+        <p:nvSpPr>
+          <p:cNvPr id="2" name="Title 1">
+            <a:extLst>
+              <a:ext uri="{FF2B5EF4-FFF2-40B4-BE49-F238E27FC236}">
+                <a16:creationId xmlns:a16="http://schemas.microsoft.com/office/drawing/2014/main" id="{51F70220-677A-411B-B416-94321A555329}"/>
+              </a:ext>
+            </a:extLst>
+          </p:cNvPr>
+          <p:cNvSpPr>
+            <a:spLocks noGrp="1"/>
+          </p:cNvSpPr>
+          <p:nvPr>
+            <p:ph type="title"/>
+          </p:nvPr>
+        </p:nvSpPr>
+        <p:spPr>
+          <a:xfrm>
+            <a:off x="705839" y="640080"/>
+            <a:ext cx="4475892" cy="1188720"/>
+          </a:xfrm>
+          <a:solidFill>
+            <a:srgbClr val="FFFFFF"/>
+          </a:solidFill>
+          <a:ln>
+            <a:solidFill>
+              <a:srgbClr val="404040"/>
+            </a:solidFill>
+          </a:ln>
+        </p:spPr>
+        <p:txBody>
+          <a:bodyPr vert="horz" lIns="182880" tIns="182880" rIns="182880" bIns="182880" rtlCol="0">
+            <a:normAutofit/>
+          </a:bodyPr>
+          <a:lstStyle/>
+          <a:p>
+            <a:r>
+              <a:rPr lang="en-US" sz="2000" dirty="0"/>
+              <a:t>ML Training Dataset</a:t>
+            </a:r>
+          </a:p>
+        </p:txBody>
+      </p:sp>
+      <p:sp>
+        <p:nvSpPr>
+          <p:cNvPr id="8201" name="Rectangle 8200">
+            <a:extLst>
+              <a:ext uri="{FF2B5EF4-FFF2-40B4-BE49-F238E27FC236}">
+                <a16:creationId xmlns:a16="http://schemas.microsoft.com/office/drawing/2014/main" id="{9E8345C6-0280-4226-BD83-7333BA6C3AA3}"/>
+              </a:ext>
+              <a:ext uri="{C183D7F6-B498-43B3-948B-1728B52AA6E4}">
+                <adec:decorative xmlns:adec="http://schemas.microsoft.com/office/drawing/2017/decorative" val="1"/>
+              </a:ext>
+            </a:extLst>
+          </p:cNvPr>
+          <p:cNvSpPr>
+            <a:spLocks noGrp="1" noRot="1" noChangeAspect="1" noMove="1" noResize="1" noEditPoints="1" noAdjustHandles="1" noChangeArrowheads="1" noChangeShapeType="1" noTextEdit="1"/>
+          </p:cNvSpPr>
+          <p:nvPr>
+            <p:extLst>
+              <p:ext uri="{386F3935-93C4-4BCD-93E2-E3B085C9AB24}">
+                <p16:designElem xmlns:p16="http://schemas.microsoft.com/office/powerpoint/2015/main" val="1"/>
+              </p:ext>
+            </p:extLst>
+          </p:nvPr>
+        </p:nvSpPr>
+        <p:spPr>
+          <a:xfrm>
+            <a:off x="6733032" y="640080"/>
+            <a:ext cx="4818888" cy="5261170"/>
+          </a:xfrm>
+          <a:prstGeom prst="rect">
+            <a:avLst/>
+          </a:prstGeom>
+          <a:noFill/>
+          <a:ln w="31750" cap="sq">
+            <a:solidFill>
+              <a:srgbClr val="FFFFFF"/>
+            </a:solidFill>
+            <a:miter lim="800000"/>
+          </a:ln>
+        </p:spPr>
+        <p:style>
+          <a:lnRef idx="2">
+            <a:schemeClr val="accent1">
+              <a:shade val="50000"/>
+            </a:schemeClr>
+          </a:lnRef>
+          <a:fillRef idx="1">
+            <a:schemeClr val="accent1"/>
+          </a:fillRef>
+          <a:effectRef idx="0">
+            <a:schemeClr val="accent1"/>
+          </a:effectRef>
+          <a:fontRef idx="minor">
+            <a:schemeClr val="lt1"/>
+          </a:fontRef>
+        </p:style>
+        <p:txBody>
+          <a:bodyPr rtlCol="0" anchor="ctr"/>
+          <a:lstStyle/>
+          <a:p>
+            <a:pPr algn="ctr"/>
+            <a:endParaRPr lang="en-US" dirty="0"/>
+          </a:p>
+        </p:txBody>
+      </p:sp>
+      <p:sp>
+        <p:nvSpPr>
+          <p:cNvPr id="8203" name="Rectangle 8202">
+            <a:extLst>
+              <a:ext uri="{FF2B5EF4-FFF2-40B4-BE49-F238E27FC236}">
+                <a16:creationId xmlns:a16="http://schemas.microsoft.com/office/drawing/2014/main" id="{99823778-D290-4538-B146-1F73C3755C9D}"/>
+              </a:ext>
+              <a:ext uri="{C183D7F6-B498-43B3-948B-1728B52AA6E4}">
+                <adec:decorative xmlns:adec="http://schemas.microsoft.com/office/drawing/2017/decorative" val="1"/>
+              </a:ext>
+            </a:extLst>
+          </p:cNvPr>
+          <p:cNvSpPr>
+            <a:spLocks noGrp="1" noRot="1" noChangeAspect="1" noMove="1" noResize="1" noEditPoints="1" noAdjustHandles="1" noChangeArrowheads="1" noChangeShapeType="1" noTextEdit="1"/>
+          </p:cNvSpPr>
+          <p:nvPr>
+            <p:extLst>
+              <p:ext uri="{386F3935-93C4-4BCD-93E2-E3B085C9AB24}">
+                <p16:designElem xmlns:p16="http://schemas.microsoft.com/office/powerpoint/2015/main" val="1"/>
+              </p:ext>
+            </p:extLst>
+          </p:nvPr>
+        </p:nvSpPr>
+        <p:spPr>
+          <a:xfrm>
+            <a:off x="6886843" y="806357"/>
+            <a:ext cx="4511266" cy="4928616"/>
+          </a:xfrm>
+          <a:prstGeom prst="rect">
+            <a:avLst/>
+          </a:prstGeom>
+          <a:solidFill>
+            <a:srgbClr val="FFFFFF"/>
+          </a:solidFill>
+          <a:ln>
+            <a:noFill/>
+          </a:ln>
+        </p:spPr>
+        <p:style>
+          <a:lnRef idx="2">
+            <a:schemeClr val="accent1">
+              <a:shade val="50000"/>
+            </a:schemeClr>
+          </a:lnRef>
+          <a:fillRef idx="1">
+            <a:schemeClr val="accent1"/>
+          </a:fillRef>
+          <a:effectRef idx="0">
+            <a:schemeClr val="accent1"/>
+          </a:effectRef>
+          <a:fontRef idx="minor">
+            <a:schemeClr val="lt1"/>
+          </a:fontRef>
+        </p:style>
+        <p:txBody>
+          <a:bodyPr rtlCol="0" anchor="ctr"/>
+          <a:lstStyle/>
+          <a:p>
+            <a:pPr algn="ctr"/>
+            <a:endParaRPr lang="en-US"/>
+          </a:p>
+        </p:txBody>
+      </p:sp>
+      <p:pic>
+        <p:nvPicPr>
+          <p:cNvPr id="8194" name="Picture 2" descr="What Is Fintech And How Does It Affect How I Bank? – Forbes Advisor">
+            <a:extLst>
+              <a:ext uri="{FF2B5EF4-FFF2-40B4-BE49-F238E27FC236}">
+                <a16:creationId xmlns:a16="http://schemas.microsoft.com/office/drawing/2014/main" id="{0C1A2A5B-3C4B-29C0-1ABF-0506C9F25F5E}"/>
+              </a:ext>
+            </a:extLst>
+          </p:cNvPr>
+          <p:cNvPicPr>
+            <a:picLocks noChangeAspect="1" noChangeArrowheads="1"/>
+          </p:cNvPicPr>
+          <p:nvPr/>
+        </p:nvPicPr>
+        <p:blipFill rotWithShape="1">
+          <a:blip r:embed="rId3">
+            <a:extLst>
+              <a:ext uri="{28A0092B-C50C-407E-A947-70E740481C1C}">
+                <a14:useLocalDpi xmlns:a14="http://schemas.microsoft.com/office/drawing/2010/main" val="0"/>
+              </a:ext>
+            </a:extLst>
+          </a:blip>
+          <a:srcRect l="31761" r="17731"/>
+          <a:stretch/>
+        </p:blipFill>
+        <p:spPr bwMode="auto">
+          <a:xfrm>
+            <a:off x="7208520" y="1126397"/>
+            <a:ext cx="3867912" cy="4288536"/>
+          </a:xfrm>
+          <a:prstGeom prst="rect">
+            <a:avLst/>
+          </a:prstGeom>
+          <a:noFill/>
+          <a:ln w="31750">
+            <a:noFill/>
+          </a:ln>
+          <a:extLst>
+            <a:ext uri="{909E8E84-426E-40DD-AFC4-6F175D3DCCD1}">
+              <a14:hiddenFill xmlns:a14="http://schemas.microsoft.com/office/drawing/2010/main">
+                <a:solidFill>
+                  <a:srgbClr val="FFFFFF"/>
+                </a:solidFill>
+              </a14:hiddenFill>
+            </a:ext>
+          </a:extLst>
+        </p:spPr>
+      </p:pic>
+      <p:pic>
+        <p:nvPicPr>
+          <p:cNvPr id="7" name="Picture 6">
+            <a:extLst>
+              <a:ext uri="{FF2B5EF4-FFF2-40B4-BE49-F238E27FC236}">
+                <a16:creationId xmlns:a16="http://schemas.microsoft.com/office/drawing/2014/main" id="{94C0CFB7-9EE5-BA00-ABDC-601C99BF5AAE}"/>
+              </a:ext>
+            </a:extLst>
+          </p:cNvPr>
+          <p:cNvPicPr>
+            <a:picLocks noChangeAspect="1"/>
+          </p:cNvPicPr>
+          <p:nvPr/>
+        </p:nvPicPr>
+        <p:blipFill>
+          <a:blip r:embed="rId4"/>
+          <a:stretch>
+            <a:fillRect/>
+          </a:stretch>
+        </p:blipFill>
+        <p:spPr>
+          <a:xfrm>
+            <a:off x="771656" y="2468882"/>
+            <a:ext cx="4410075" cy="3590925"/>
+          </a:xfrm>
+          <a:prstGeom prst="rect">
+            <a:avLst/>
+          </a:prstGeom>
+        </p:spPr>
+      </p:pic>
+    </p:spTree>
+    <p:extLst>
+      <p:ext uri="{BB962C8B-B14F-4D97-AF65-F5344CB8AC3E}">
+        <p14:creationId xmlns:p14="http://schemas.microsoft.com/office/powerpoint/2010/main" val="3458058742"/>
+      </p:ext>
+    </p:extLst>
+  </p:cSld>
+  <p:clrMapOvr>
+    <a:masterClrMapping/>
+  </p:clrMapOvr>
+</p:sld>
+</file>
+
+<file path=ppt/slides/slide8.xml><?xml version="1.0" encoding="utf-8"?>
+<p:sld xmlns:a="http://schemas.openxmlformats.org/drawingml/2006/main" xmlns:r="http://schemas.openxmlformats.org/officeDocument/2006/relationships" xmlns:p="http://schemas.openxmlformats.org/presentationml/2006/main">
+  <p:cSld>
+    <p:bg>
+      <p:bgPr>
+        <a:solidFill>
+          <a:schemeClr val="bg1">
+            <a:lumMod val="95000"/>
+          </a:schemeClr>
+        </a:solidFill>
+        <a:effectLst/>
+      </p:bgPr>
+    </p:bg>
+    <p:spTree>
+      <p:nvGrpSpPr>
+        <p:cNvPr id="1" name=""/>
+        <p:cNvGrpSpPr/>
+        <p:nvPr/>
+      </p:nvGrpSpPr>
+      <p:grpSpPr>
+        <a:xfrm>
+          <a:off x="0" y="0"/>
+          <a:ext cx="0" cy="0"/>
+          <a:chOff x="0" y="0"/>
+          <a:chExt cx="0" cy="0"/>
+        </a:xfrm>
+      </p:grpSpPr>
       <p:sp useBgFill="1">
         <p:nvSpPr>
           <p:cNvPr id="9" name="Rectangle 8">
@@ -14711,7 +15826,7 @@
         <p:spPr>
           <a:xfrm>
             <a:off x="221226" y="643467"/>
-            <a:ext cx="4203290" cy="1743852"/>
+            <a:ext cx="4203290" cy="1480301"/>
           </a:xfrm>
           <a:noFill/>
           <a:ln>
@@ -14722,10 +15837,17 @@
         </p:spPr>
         <p:txBody>
           <a:bodyPr vert="horz" wrap="square" lIns="182880" tIns="182880" rIns="182880" bIns="182880" rtlCol="0">
-            <a:normAutofit/>
+            <a:normAutofit fontScale="90000"/>
           </a:bodyPr>
           <a:lstStyle/>
           <a:p>
+            <a:br>
+              <a:rPr lang="en-US" dirty="0">
+                <a:solidFill>
+                  <a:schemeClr val="bg1"/>
+                </a:solidFill>
+              </a:rPr>
+            </a:br>
             <a:r>
               <a:rPr lang="en-US" dirty="0">
                 <a:solidFill>
@@ -14818,8 +15940,8 @@
         </p:nvSpPr>
         <p:spPr>
           <a:xfrm>
-            <a:off x="221226" y="2772697"/>
-            <a:ext cx="4203290" cy="3139321"/>
+            <a:off x="179930" y="2499000"/>
+            <a:ext cx="4203290" cy="4247317"/>
           </a:xfrm>
           <a:prstGeom prst="rect">
             <a:avLst/>
@@ -14832,6 +15954,10 @@
           </a:bodyPr>
           <a:lstStyle/>
           <a:p>
+            <a:pPr marL="285750" indent="-285750">
+              <a:buFont typeface="Arial" panose="020B0604020202020204" pitchFamily="34" charset="0"/>
+              <a:buChar char="•"/>
+            </a:pPr>
             <a:r>
               <a:rPr lang="en-US" dirty="0">
                 <a:solidFill>
@@ -14842,6 +15968,10 @@
             </a:r>
           </a:p>
           <a:p>
+            <a:pPr marL="285750" indent="-285750">
+              <a:buFont typeface="Arial" panose="020B0604020202020204" pitchFamily="34" charset="0"/>
+              <a:buChar char="•"/>
+            </a:pPr>
             <a:endParaRPr lang="en-US" dirty="0">
               <a:solidFill>
                 <a:schemeClr val="bg1"/>
@@ -14849,6 +15979,10 @@
             </a:endParaRPr>
           </a:p>
           <a:p>
+            <a:pPr marL="285750" indent="-285750">
+              <a:buFont typeface="Arial" panose="020B0604020202020204" pitchFamily="34" charset="0"/>
+              <a:buChar char="•"/>
+            </a:pPr>
             <a:r>
               <a:rPr lang="en-US" dirty="0">
                 <a:solidFill>
@@ -14856,6 +15990,20 @@
                 </a:solidFill>
               </a:rPr>
               <a:t>The trading strategies we had were very much determined by the time frame we implemented them due to the market not being an average market with simple swings.  Swings were drastic and in one direction.</a:t>
+            </a:r>
+          </a:p>
+          <a:p>
+            <a:pPr marL="285750" indent="-285750">
+              <a:buFont typeface="Arial" panose="020B0604020202020204" pitchFamily="34" charset="0"/>
+              <a:buChar char="•"/>
+            </a:pPr>
+            <a:r>
+              <a:rPr lang="en-US" dirty="0">
+                <a:solidFill>
+                  <a:schemeClr val="bg1"/>
+                </a:solidFill>
+              </a:rPr>
+              <a:t>HODL strategy significantly outperformed either trading strategy over 2 years but underperformed both over a 1-year timeframe.</a:t>
             </a:r>
           </a:p>
           <a:p>
@@ -14934,7 +16082,7 @@
 </p:sld>
 </file>
 
-<file path=ppt/slides/slide8.xml><?xml version="1.0" encoding="utf-8"?>
+<file path=ppt/slides/slide9.xml><?xml version="1.0" encoding="utf-8"?>
 <p:sld xmlns:a="http://schemas.openxmlformats.org/drawingml/2006/main" xmlns:r="http://schemas.openxmlformats.org/officeDocument/2006/relationships" xmlns:p="http://schemas.openxmlformats.org/presentationml/2006/main">
   <p:cSld>
     <p:bg>
@@ -15122,7 +16270,7 @@
         </p:spPr>
         <p:txBody>
           <a:bodyPr wrap="square">
-            <a:normAutofit/>
+            <a:normAutofit fontScale="90000"/>
           </a:bodyPr>
           <a:lstStyle/>
           <a:p>
@@ -15147,17 +16295,17 @@
                   <a:srgbClr val="FFFFFF"/>
                 </a:solidFill>
               </a:rPr>
-              <a:t>**2 year window**</a:t>
+              <a:t>**Heatmap correlations**</a:t>
             </a:r>
           </a:p>
         </p:txBody>
       </p:sp>
       <p:pic>
         <p:nvPicPr>
-          <p:cNvPr id="8" name="Picture 7" descr="Graphical user interface, chart, line chart&#10;&#10;Description automatically generated">
+          <p:cNvPr id="4" name="Picture 3">
             <a:extLst>
               <a:ext uri="{FF2B5EF4-FFF2-40B4-BE49-F238E27FC236}">
-                <a16:creationId xmlns:a16="http://schemas.microsoft.com/office/drawing/2014/main" id="{BAC1BCE3-8F3B-7A61-4818-0C8F32BD6CC4}"/>
+                <a16:creationId xmlns:a16="http://schemas.microsoft.com/office/drawing/2014/main" id="{CDA86F8C-B8CB-6433-56B7-191066209094}"/>
               </a:ext>
             </a:extLst>
           </p:cNvPr>
@@ -15174,38 +16322,8 @@
         </p:blipFill>
         <p:spPr>
           <a:xfrm>
-            <a:off x="257441" y="836239"/>
-            <a:ext cx="6540500" cy="2159000"/>
-          </a:xfrm>
-          <a:prstGeom prst="rect">
-            <a:avLst/>
-          </a:prstGeom>
-        </p:spPr>
-      </p:pic>
-      <p:pic>
-        <p:nvPicPr>
-          <p:cNvPr id="13" name="Picture 12" descr="Chart, waterfall chart&#10;&#10;Description automatically generated">
-            <a:extLst>
-              <a:ext uri="{FF2B5EF4-FFF2-40B4-BE49-F238E27FC236}">
-                <a16:creationId xmlns:a16="http://schemas.microsoft.com/office/drawing/2014/main" id="{CCCCEA24-56DE-ABF2-BC81-C1FF01ABAC99}"/>
-              </a:ext>
-            </a:extLst>
-          </p:cNvPr>
-          <p:cNvPicPr>
-            <a:picLocks noChangeAspect="1"/>
-          </p:cNvPicPr>
-          <p:nvPr/>
-        </p:nvPicPr>
-        <p:blipFill>
-          <a:blip r:embed="rId4"/>
-          <a:stretch>
-            <a:fillRect/>
-          </a:stretch>
-        </p:blipFill>
-        <p:spPr>
-          <a:xfrm>
-            <a:off x="257441" y="3831477"/>
-            <a:ext cx="6953624" cy="2349940"/>
+            <a:off x="968502" y="909637"/>
+            <a:ext cx="5600700" cy="5038725"/>
           </a:xfrm>
           <a:prstGeom prst="rect">
             <a:avLst/>
@@ -15215,67 +16333,7 @@
     </p:spTree>
     <p:extLst>
       <p:ext uri="{BB962C8B-B14F-4D97-AF65-F5344CB8AC3E}">
-        <p14:creationId xmlns:p14="http://schemas.microsoft.com/office/powerpoint/2010/main" val="3448316882"/>
-      </p:ext>
-    </p:extLst>
-  </p:cSld>
-  <p:clrMapOvr>
-    <a:masterClrMapping/>
-  </p:clrMapOvr>
-</p:sld>
-</file>
-
-<file path=ppt/slides/slide9.xml><?xml version="1.0" encoding="utf-8"?>
-<p:sld xmlns:a="http://schemas.openxmlformats.org/drawingml/2006/main" xmlns:r="http://schemas.openxmlformats.org/officeDocument/2006/relationships" xmlns:p="http://schemas.openxmlformats.org/presentationml/2006/main">
-  <p:cSld>
-    <p:spTree>
-      <p:nvGrpSpPr>
-        <p:cNvPr id="1" name=""/>
-        <p:cNvGrpSpPr/>
-        <p:nvPr/>
-      </p:nvGrpSpPr>
-      <p:grpSpPr>
-        <a:xfrm>
-          <a:off x="0" y="0"/>
-          <a:ext cx="0" cy="0"/>
-          <a:chOff x="0" y="0"/>
-          <a:chExt cx="0" cy="0"/>
-        </a:xfrm>
-      </p:grpSpPr>
-      <p:pic>
-        <p:nvPicPr>
-          <p:cNvPr id="3" name="Picture 2" descr="Chart&#10;&#10;Description automatically generated">
-            <a:extLst>
-              <a:ext uri="{FF2B5EF4-FFF2-40B4-BE49-F238E27FC236}">
-                <a16:creationId xmlns:a16="http://schemas.microsoft.com/office/drawing/2014/main" id="{1177427C-6C3F-4B0D-2D9A-62F0CF9E4CF4}"/>
-              </a:ext>
-            </a:extLst>
-          </p:cNvPr>
-          <p:cNvPicPr>
-            <a:picLocks noChangeAspect="1"/>
-          </p:cNvPicPr>
-          <p:nvPr/>
-        </p:nvPicPr>
-        <p:blipFill>
-          <a:blip r:embed="rId3"/>
-          <a:stretch>
-            <a:fillRect/>
-          </a:stretch>
-        </p:blipFill>
-        <p:spPr>
-          <a:xfrm>
-            <a:off x="381000" y="0"/>
-            <a:ext cx="11430000" cy="6858000"/>
-          </a:xfrm>
-          <a:prstGeom prst="rect">
-            <a:avLst/>
-          </a:prstGeom>
-        </p:spPr>
-      </p:pic>
-    </p:spTree>
-    <p:extLst>
-      <p:ext uri="{BB962C8B-B14F-4D97-AF65-F5344CB8AC3E}">
-        <p14:creationId xmlns:p14="http://schemas.microsoft.com/office/powerpoint/2010/main" val="2125690892"/>
+        <p14:creationId xmlns:p14="http://schemas.microsoft.com/office/powerpoint/2010/main" val="3289012047"/>
       </p:ext>
     </p:extLst>
   </p:cSld>
@@ -16136,24 +17194,6 @@
 </file>
 
 <file path=customXml/item1.xml><?xml version="1.0" encoding="utf-8"?>
-<?mso-contentType ?>
-<FormTemplates xmlns="http://schemas.microsoft.com/sharepoint/v3/contenttype/forms">
-  <Display>DocumentLibraryForm</Display>
-  <Edit>DocumentLibraryForm</Edit>
-  <New>DocumentLibraryForm</New>
-</FormTemplates>
-</file>
-
-<file path=customXml/item2.xml><?xml version="1.0" encoding="utf-8"?>
-<p:properties xmlns:p="http://schemas.microsoft.com/office/2006/metadata/properties" xmlns:xsi="http://www.w3.org/2001/XMLSchema-instance" xmlns:pc="http://schemas.microsoft.com/office/infopath/2007/PartnerControls">
-  <documentManagement>
-    <Status xmlns="71af3243-3dd4-4a8d-8c0d-dd76da1f02a5">Not started</Status>
-    <MediaServiceKeyPoints xmlns="71af3243-3dd4-4a8d-8c0d-dd76da1f02a5" xsi:nil="true"/>
-  </documentManagement>
-</p:properties>
-</file>
-
-<file path=customXml/item3.xml><?xml version="1.0" encoding="utf-8"?>
 <ct:contentTypeSchema xmlns:ct="http://schemas.microsoft.com/office/2006/metadata/contentType" xmlns:ma="http://schemas.microsoft.com/office/2006/metadata/properties/metaAttributes" ct:_="" ma:_="" ma:contentTypeName="Document" ma:contentTypeID="0x01010079F111ED35F8CC479449609E8A0923A6" ma:contentTypeVersion="12" ma:contentTypeDescription="Create a new document." ma:contentTypeScope="" ma:versionID="93813dd7ca6ad654711aa0ab317e03a3">
   <xsd:schema xmlns:xsd="http://www.w3.org/2001/XMLSchema" xmlns:xs="http://www.w3.org/2001/XMLSchema" xmlns:p="http://schemas.microsoft.com/office/2006/metadata/properties" xmlns:ns2="71af3243-3dd4-4a8d-8c0d-dd76da1f02a5" xmlns:ns3="16c05727-aa75-4e4a-9b5f-8a80a1165891" targetNamespace="http://schemas.microsoft.com/office/2006/metadata/properties" ma:root="true" ma:fieldsID="f11dc0ce689dd3925e84e4e35398c6e7" ns2:_="" ns3:_="">
     <xsd:import namespace="71af3243-3dd4-4a8d-8c0d-dd76da1f02a5"/>
@@ -16374,10 +17414,39 @@
 </ct:contentTypeSchema>
 </file>
 
+<file path=customXml/item2.xml><?xml version="1.0" encoding="utf-8"?>
+<p:properties xmlns:p="http://schemas.microsoft.com/office/2006/metadata/properties" xmlns:xsi="http://www.w3.org/2001/XMLSchema-instance" xmlns:pc="http://schemas.microsoft.com/office/infopath/2007/PartnerControls">
+  <documentManagement>
+    <Status xmlns="71af3243-3dd4-4a8d-8c0d-dd76da1f02a5">Not started</Status>
+    <MediaServiceKeyPoints xmlns="71af3243-3dd4-4a8d-8c0d-dd76da1f02a5" xsi:nil="true"/>
+  </documentManagement>
+</p:properties>
+</file>
+
+<file path=customXml/item3.xml><?xml version="1.0" encoding="utf-8"?>
+<?mso-contentType ?>
+<FormTemplates xmlns="http://schemas.microsoft.com/sharepoint/v3/contenttype/forms">
+  <Display>DocumentLibraryForm</Display>
+  <Edit>DocumentLibraryForm</Edit>
+  <New>DocumentLibraryForm</New>
+</FormTemplates>
+</file>
+
 <file path=customXml/itemProps1.xml><?xml version="1.0" encoding="utf-8"?>
-<ds:datastoreItem xmlns:ds="http://schemas.openxmlformats.org/officeDocument/2006/customXml" ds:itemID="{C28223DC-4748-4F7F-8D8D-E4EA5A6C1882}">
+<ds:datastoreItem xmlns:ds="http://schemas.openxmlformats.org/officeDocument/2006/customXml" ds:itemID="{1612D154-BCA4-47A9-881C-4EFB9658D8AB}">
   <ds:schemaRefs>
-    <ds:schemaRef ds:uri="http://schemas.microsoft.com/sharepoint/v3/contenttype/forms"/>
+    <ds:schemaRef ds:uri="http://schemas.microsoft.com/office/2006/metadata/contentType"/>
+    <ds:schemaRef ds:uri="http://schemas.microsoft.com/office/2006/metadata/properties/metaAttributes"/>
+    <ds:schemaRef ds:uri="http://www.w3.org/2001/XMLSchema"/>
+    <ds:schemaRef ds:uri="http://schemas.microsoft.com/office/2006/metadata/properties"/>
+    <ds:schemaRef ds:uri="71af3243-3dd4-4a8d-8c0d-dd76da1f02a5"/>
+    <ds:schemaRef ds:uri="16c05727-aa75-4e4a-9b5f-8a80a1165891"/>
+    <ds:schemaRef ds:uri="http://schemas.microsoft.com/office/2006/documentManagement/types"/>
+    <ds:schemaRef ds:uri="http://schemas.microsoft.com/office/infopath/2007/PartnerControls"/>
+    <ds:schemaRef ds:uri="http://schemas.openxmlformats.org/package/2006/metadata/core-properties"/>
+    <ds:schemaRef ds:uri="http://purl.org/dc/elements/1.1/"/>
+    <ds:schemaRef ds:uri="http://purl.org/dc/terms/"/>
+    <ds:schemaRef ds:uri="http://schemas.microsoft.com/internal/obd"/>
   </ds:schemaRefs>
 </ds:datastoreItem>
 </file>
@@ -16400,20 +17469,9 @@
 </file>
 
 <file path=customXml/itemProps3.xml><?xml version="1.0" encoding="utf-8"?>
-<ds:datastoreItem xmlns:ds="http://schemas.openxmlformats.org/officeDocument/2006/customXml" ds:itemID="{1612D154-BCA4-47A9-881C-4EFB9658D8AB}">
+<ds:datastoreItem xmlns:ds="http://schemas.openxmlformats.org/officeDocument/2006/customXml" ds:itemID="{C28223DC-4748-4F7F-8D8D-E4EA5A6C1882}">
   <ds:schemaRefs>
-    <ds:schemaRef ds:uri="http://schemas.microsoft.com/office/2006/metadata/contentType"/>
-    <ds:schemaRef ds:uri="http://schemas.microsoft.com/office/2006/metadata/properties/metaAttributes"/>
-    <ds:schemaRef ds:uri="http://www.w3.org/2001/XMLSchema"/>
-    <ds:schemaRef ds:uri="http://schemas.microsoft.com/office/2006/metadata/properties"/>
-    <ds:schemaRef ds:uri="71af3243-3dd4-4a8d-8c0d-dd76da1f02a5"/>
-    <ds:schemaRef ds:uri="16c05727-aa75-4e4a-9b5f-8a80a1165891"/>
-    <ds:schemaRef ds:uri="http://schemas.microsoft.com/office/2006/documentManagement/types"/>
-    <ds:schemaRef ds:uri="http://schemas.microsoft.com/office/infopath/2007/PartnerControls"/>
-    <ds:schemaRef ds:uri="http://schemas.openxmlformats.org/package/2006/metadata/core-properties"/>
-    <ds:schemaRef ds:uri="http://purl.org/dc/elements/1.1/"/>
-    <ds:schemaRef ds:uri="http://purl.org/dc/terms/"/>
-    <ds:schemaRef ds:uri="http://schemas.microsoft.com/internal/obd"/>
+    <ds:schemaRef ds:uri="http://schemas.microsoft.com/sharepoint/v3/contenttype/forms"/>
   </ds:schemaRefs>
 </ds:datastoreItem>
 </file>
--- a/Sentiment_Trading.pptx
+++ b/Sentiment_Trading.pptx
@@ -134,12 +134,33 @@
 </p:presentation>
 </file>
 
-<file path=ppt/revisionInfo.xml><?xml version="1.0" encoding="utf-8"?>
-<p1510:revInfo xmlns:a="http://schemas.openxmlformats.org/drawingml/2006/main" xmlns:r="http://schemas.openxmlformats.org/officeDocument/2006/relationships" xmlns:p1510="http://schemas.microsoft.com/office/powerpoint/2015/10/main">
-  <p1510:revLst>
-    <p1510:client id="{5B3D346E-4D8D-4D42-A824-D6B5A44509F7}" v="15" dt="2022-06-11T14:56:04.362"/>
-  </p1510:revLst>
-</p1510:revInfo>
+<file path=ppt/changesInfos/changesInfo1.xml><?xml version="1.0" encoding="utf-8"?>
+<pc:chgInfo xmlns:a="http://schemas.openxmlformats.org/drawingml/2006/main" xmlns:r="http://schemas.openxmlformats.org/officeDocument/2006/relationships" xmlns:ac="http://schemas.microsoft.com/office/drawing/2013/main/command" xmlns:pc="http://schemas.microsoft.com/office/powerpoint/2013/main/command">
+  <pc:docChgLst>
+    <pc:chgData name="Jeff Brinker" userId="593ed9d8-4151-4772-b516-8c237b43e6aa" providerId="ADAL" clId="{5B3D346E-4D8D-4D42-A824-D6B5A44509F7}"/>
+    <pc:docChg chg="modSld">
+      <pc:chgData name="Jeff Brinker" userId="593ed9d8-4151-4772-b516-8c237b43e6aa" providerId="ADAL" clId="{5B3D346E-4D8D-4D42-A824-D6B5A44509F7}" dt="2022-06-11T16:23:08.713" v="7" actId="20577"/>
+      <pc:docMkLst>
+        <pc:docMk/>
+      </pc:docMkLst>
+      <pc:sldChg chg="modSp mod">
+        <pc:chgData name="Jeff Brinker" userId="593ed9d8-4151-4772-b516-8c237b43e6aa" providerId="ADAL" clId="{5B3D346E-4D8D-4D42-A824-D6B5A44509F7}" dt="2022-06-11T16:23:08.713" v="7" actId="20577"/>
+        <pc:sldMkLst>
+          <pc:docMk/>
+          <pc:sldMk cId="3593714181" sldId="263"/>
+        </pc:sldMkLst>
+        <pc:spChg chg="mod">
+          <ac:chgData name="Jeff Brinker" userId="593ed9d8-4151-4772-b516-8c237b43e6aa" providerId="ADAL" clId="{5B3D346E-4D8D-4D42-A824-D6B5A44509F7}" dt="2022-06-11T16:23:08.713" v="7" actId="20577"/>
+          <ac:spMkLst>
+            <pc:docMk/>
+            <pc:sldMk cId="3593714181" sldId="263"/>
+            <ac:spMk id="2" creationId="{51F70220-677A-411B-B416-94321A555329}"/>
+          </ac:spMkLst>
+        </pc:spChg>
+      </pc:sldChg>
+    </pc:docChg>
+  </pc:docChgLst>
+</pc:chgInfo>
 </file>
 
 <file path=ppt/diagrams/colors1.xml><?xml version="1.0" encoding="utf-8"?>
@@ -6621,7 +6642,7 @@
           <a:p>
             <a:fld id="{8369C108-6DA3-45F2-AE7E-50E80854775B}" type="datetimeFigureOut">
               <a:rPr lang="en-US" smtClean="0"/>
-              <a:t>6/11/2022</a:t>
+              <a:t>6/11/22</a:t>
             </a:fld>
             <a:endParaRPr lang="en-US" dirty="0"/>
           </a:p>
@@ -6798,7 +6819,7 @@
           <a:p>
             <a:fld id="{476A73B2-5605-4CC4-ADC6-622651651079}" type="datetimeFigureOut">
               <a:rPr lang="en-US" smtClean="0"/>
-              <a:t>6/11/2022</a:t>
+              <a:t>6/11/22</a:t>
             </a:fld>
             <a:endParaRPr lang="en-US" dirty="0"/>
           </a:p>
@@ -8320,7 +8341,7 @@
           <a:p>
             <a:fld id="{9AB3A824-1A51-4B26-AD58-A6D8E14F6C04}" type="datetimeFigureOut">
               <a:rPr lang="en-US" smtClean="0"/>
-              <a:t>6/11/2022</a:t>
+              <a:t>6/11/22</a:t>
             </a:fld>
             <a:endParaRPr lang="en-US" dirty="0"/>
           </a:p>
@@ -8494,7 +8515,7 @@
           <a:p>
             <a:fld id="{D857E33E-8B18-4087-B112-809917729534}" type="datetimeFigureOut">
               <a:rPr lang="en-US" smtClean="0"/>
-              <a:t>6/11/2022</a:t>
+              <a:t>6/11/22</a:t>
             </a:fld>
             <a:endParaRPr lang="en-US" dirty="0"/>
           </a:p>
@@ -8678,7 +8699,7 @@
           <a:p>
             <a:fld id="{D3FFE419-2371-464F-8239-3959401C3561}" type="datetimeFigureOut">
               <a:rPr lang="en-US" smtClean="0"/>
-              <a:t>6/11/2022</a:t>
+              <a:t>6/11/22</a:t>
             </a:fld>
             <a:endParaRPr lang="en-US" dirty="0"/>
           </a:p>
@@ -8852,7 +8873,7 @@
           <a:p>
             <a:fld id="{97D162C4-EDD9-4389-A98B-B87ECEA2A816}" type="datetimeFigureOut">
               <a:rPr lang="en-US" smtClean="0"/>
-              <a:t>6/11/2022</a:t>
+              <a:t>6/11/22</a:t>
             </a:fld>
             <a:endParaRPr lang="en-US" dirty="0"/>
           </a:p>
@@ -9124,7 +9145,7 @@
           <a:p>
             <a:fld id="{3E5059C3-6A89-4494-99FF-5A4D6FFD50EB}" type="datetimeFigureOut">
               <a:rPr lang="en-US" smtClean="0"/>
-              <a:t>6/11/2022</a:t>
+              <a:t>6/11/22</a:t>
             </a:fld>
             <a:endParaRPr lang="en-US" dirty="0"/>
           </a:p>
@@ -9360,7 +9381,7 @@
           <a:p>
             <a:fld id="{CA954B2F-12DE-47F5-8894-472B206D2E1E}" type="datetimeFigureOut">
               <a:rPr lang="en-US" smtClean="0"/>
-              <a:t>6/11/2022</a:t>
+              <a:t>6/11/22</a:t>
             </a:fld>
             <a:endParaRPr lang="en-US" dirty="0"/>
           </a:p>
@@ -9723,7 +9744,7 @@
           <a:p>
             <a:fld id="{3CBC1C18-307B-4F68-A007-B5B542270E8D}" type="datetimeFigureOut">
               <a:rPr lang="en-US" smtClean="0"/>
-              <a:t>6/11/2022</a:t>
+              <a:t>6/11/22</a:t>
             </a:fld>
             <a:endParaRPr lang="en-US" dirty="0"/>
           </a:p>
@@ -9870,7 +9891,7 @@
           <a:p>
             <a:fld id="{1FAF3416-4057-4DAA-829D-4CA07428D088}" type="datetimeFigureOut">
               <a:rPr lang="en-US" smtClean="0"/>
-              <a:t>6/11/2022</a:t>
+              <a:t>6/11/22</a:t>
             </a:fld>
             <a:endParaRPr lang="en-US" dirty="0"/>
           </a:p>
@@ -9969,7 +9990,7 @@
           <a:p>
             <a:fld id="{921D9284-D300-4297-87F7-E791DCC15DB1}" type="datetimeFigureOut">
               <a:rPr lang="en-US" smtClean="0"/>
-              <a:t>6/11/2022</a:t>
+              <a:t>6/11/22</a:t>
             </a:fld>
             <a:endParaRPr lang="en-US" dirty="0"/>
           </a:p>
@@ -10330,7 +10351,7 @@
           <a:p>
             <a:fld id="{37D525BB-DA17-4BA0-B3C8-3AC3ABC827E6}" type="datetimeFigureOut">
               <a:rPr lang="en-US" smtClean="0"/>
-              <a:t>6/11/2022</a:t>
+              <a:t>6/11/22</a:t>
             </a:fld>
             <a:endParaRPr lang="en-US" dirty="0"/>
           </a:p>
@@ -10691,7 +10712,7 @@
           <a:p>
             <a:fld id="{B16C4C9A-3960-41CF-A4E9-2A8FB932454B}" type="datetimeFigureOut">
               <a:rPr lang="en-US" smtClean="0"/>
-              <a:t>6/11/2022</a:t>
+              <a:t>6/11/22</a:t>
             </a:fld>
             <a:endParaRPr lang="en-US" dirty="0"/>
           </a:p>
@@ -10937,7 +10958,7 @@
           <a:p>
             <a:fld id="{3CBC1C18-307B-4F68-A007-B5B542270E8D}" type="datetimeFigureOut">
               <a:rPr lang="en-US" smtClean="0"/>
-              <a:t>6/11/2022</a:t>
+              <a:t>6/11/22</a:t>
             </a:fld>
             <a:endParaRPr lang="en-US" dirty="0"/>
           </a:p>
@@ -11872,7 +11893,7 @@
                   <a:srgbClr val="FFFFFF"/>
                 </a:solidFill>
               </a:rPr>
-              <a:t>**ADA Price, 50 day SMA, 100 day SMA**</a:t>
+              <a:t>**ADA Price, 50-day SMA, 100-day SMA**</a:t>
             </a:r>
           </a:p>
         </p:txBody>
@@ -13641,7 +13662,25 @@
                   <a:srgbClr val="FFFFFF"/>
                 </a:solidFill>
               </a:rPr>
-              <a:t>Modularized into a single for loop</a:t>
+              <a:t>Modularized into a single </a:t>
+            </a:r>
+            <a:r>
+              <a:rPr lang="en-US" b="1" dirty="0">
+                <a:solidFill>
+                  <a:srgbClr val="00FF00"/>
+                </a:solidFill>
+                <a:latin typeface="Courier New" panose="02070309020205020404" pitchFamily="49" charset="0"/>
+                <a:cs typeface="Courier New" panose="02070309020205020404" pitchFamily="49" charset="0"/>
+              </a:rPr>
+              <a:t>for</a:t>
+            </a:r>
+            <a:r>
+              <a:rPr lang="en-US" dirty="0">
+                <a:solidFill>
+                  <a:srgbClr val="FFFFFF"/>
+                </a:solidFill>
+              </a:rPr>
+              <a:t> loop</a:t>
             </a:r>
           </a:p>
           <a:p>
@@ -15011,16 +15050,16 @@
           <a:lstStyle/>
           <a:p>
             <a:br>
-              <a:rPr lang="en-US" sz="2000"/>
+              <a:rPr lang="en-US" sz="2000" dirty="0"/>
             </a:br>
             <a:r>
-              <a:rPr lang="en-US" sz="2000"/>
-              <a:t>Questions</a:t>
+              <a:rPr lang="en-US" sz="2000" dirty="0"/>
+              <a:t>Project Questions</a:t>
             </a:r>
             <a:br>
-              <a:rPr lang="en-US" sz="2000"/>
+              <a:rPr lang="en-US" sz="2000" dirty="0"/>
             </a:br>
-            <a:endParaRPr lang="en-US" sz="2000"/>
+            <a:endParaRPr lang="en-US" sz="2000" dirty="0"/>
           </a:p>
         </p:txBody>
       </p:sp>
@@ -15078,7 +15117,7 @@
                 </a:solidFill>
                 <a:latin typeface="-apple-system"/>
               </a:rPr>
-              <a:t>2. Would there be patterns in volatility between the three crypto coins?</a:t>
+              <a:t>2. Would there be patterns in volatility between the three cryptocurrency prices?</a:t>
             </a:r>
           </a:p>
           <a:p>
@@ -15941,7 +15980,7 @@
         <p:spPr>
           <a:xfrm>
             <a:off x="179930" y="2499000"/>
-            <a:ext cx="4203290" cy="4247317"/>
+            <a:ext cx="4203290" cy="4524315"/>
           </a:xfrm>
           <a:prstGeom prst="rect">
             <a:avLst/>
@@ -15991,6 +16030,17 @@
               </a:rPr>
               <a:t>The trading strategies we had were very much determined by the time frame we implemented them due to the market not being an average market with simple swings.  Swings were drastic and in one direction.</a:t>
             </a:r>
+          </a:p>
+          <a:p>
+            <a:pPr marL="285750" indent="-285750">
+              <a:buFont typeface="Arial" panose="020B0604020202020204" pitchFamily="34" charset="0"/>
+              <a:buChar char="•"/>
+            </a:pPr>
+            <a:endParaRPr lang="en-US" dirty="0">
+              <a:solidFill>
+                <a:schemeClr val="bg1"/>
+              </a:solidFill>
+            </a:endParaRPr>
           </a:p>
           <a:p>
             <a:pPr marL="285750" indent="-285750">
@@ -17194,6 +17244,15 @@
 </file>
 
 <file path=customXml/item1.xml><?xml version="1.0" encoding="utf-8"?>
+<p:properties xmlns:p="http://schemas.microsoft.com/office/2006/metadata/properties" xmlns:xsi="http://www.w3.org/2001/XMLSchema-instance" xmlns:pc="http://schemas.microsoft.com/office/infopath/2007/PartnerControls">
+  <documentManagement>
+    <Status xmlns="71af3243-3dd4-4a8d-8c0d-dd76da1f02a5">Not started</Status>
+    <MediaServiceKeyPoints xmlns="71af3243-3dd4-4a8d-8c0d-dd76da1f02a5" xsi:nil="true"/>
+  </documentManagement>
+</p:properties>
+</file>
+
+<file path=customXml/item2.xml><?xml version="1.0" encoding="utf-8"?>
 <ct:contentTypeSchema xmlns:ct="http://schemas.microsoft.com/office/2006/metadata/contentType" xmlns:ma="http://schemas.microsoft.com/office/2006/metadata/properties/metaAttributes" ct:_="" ma:_="" ma:contentTypeName="Document" ma:contentTypeID="0x01010079F111ED35F8CC479449609E8A0923A6" ma:contentTypeVersion="12" ma:contentTypeDescription="Create a new document." ma:contentTypeScope="" ma:versionID="93813dd7ca6ad654711aa0ab317e03a3">
   <xsd:schema xmlns:xsd="http://www.w3.org/2001/XMLSchema" xmlns:xs="http://www.w3.org/2001/XMLSchema" xmlns:p="http://schemas.microsoft.com/office/2006/metadata/properties" xmlns:ns2="71af3243-3dd4-4a8d-8c0d-dd76da1f02a5" xmlns:ns3="16c05727-aa75-4e4a-9b5f-8a80a1165891" targetNamespace="http://schemas.microsoft.com/office/2006/metadata/properties" ma:root="true" ma:fieldsID="f11dc0ce689dd3925e84e4e35398c6e7" ns2:_="" ns3:_="">
     <xsd:import namespace="71af3243-3dd4-4a8d-8c0d-dd76da1f02a5"/>
@@ -17414,15 +17473,6 @@
 </ct:contentTypeSchema>
 </file>
 
-<file path=customXml/item2.xml><?xml version="1.0" encoding="utf-8"?>
-<p:properties xmlns:p="http://schemas.microsoft.com/office/2006/metadata/properties" xmlns:xsi="http://www.w3.org/2001/XMLSchema-instance" xmlns:pc="http://schemas.microsoft.com/office/infopath/2007/PartnerControls">
-  <documentManagement>
-    <Status xmlns="71af3243-3dd4-4a8d-8c0d-dd76da1f02a5">Not started</Status>
-    <MediaServiceKeyPoints xmlns="71af3243-3dd4-4a8d-8c0d-dd76da1f02a5" xsi:nil="true"/>
-  </documentManagement>
-</p:properties>
-</file>
-
 <file path=customXml/item3.xml><?xml version="1.0" encoding="utf-8"?>
 <?mso-contentType ?>
 <FormTemplates xmlns="http://schemas.microsoft.com/sharepoint/v3/contenttype/forms">
@@ -17433,6 +17483,23 @@
 </file>
 
 <file path=customXml/itemProps1.xml><?xml version="1.0" encoding="utf-8"?>
+<ds:datastoreItem xmlns:ds="http://schemas.openxmlformats.org/officeDocument/2006/customXml" ds:itemID="{1F4D5ADA-BB6C-46F4-9A97-3A3D44A9A8A6}">
+  <ds:schemaRefs>
+    <ds:schemaRef ds:uri="http://purl.org/dc/elements/1.1/"/>
+    <ds:schemaRef ds:uri="http://schemas.microsoft.com/office/2006/metadata/properties"/>
+    <ds:schemaRef ds:uri="http://purl.org/dc/terms/"/>
+    <ds:schemaRef ds:uri="http://schemas.openxmlformats.org/package/2006/metadata/core-properties"/>
+    <ds:schemaRef ds:uri="http://purl.org/dc/dcmitype/"/>
+    <ds:schemaRef ds:uri="71af3243-3dd4-4a8d-8c0d-dd76da1f02a5"/>
+    <ds:schemaRef ds:uri="http://schemas.microsoft.com/office/2006/documentManagement/types"/>
+    <ds:schemaRef ds:uri="http://schemas.microsoft.com/office/infopath/2007/PartnerControls"/>
+    <ds:schemaRef ds:uri="16c05727-aa75-4e4a-9b5f-8a80a1165891"/>
+    <ds:schemaRef ds:uri="http://www.w3.org/XML/1998/namespace"/>
+  </ds:schemaRefs>
+</ds:datastoreItem>
+</file>
+
+<file path=customXml/itemProps2.xml><?xml version="1.0" encoding="utf-8"?>
 <ds:datastoreItem xmlns:ds="http://schemas.openxmlformats.org/officeDocument/2006/customXml" ds:itemID="{1612D154-BCA4-47A9-881C-4EFB9658D8AB}">
   <ds:schemaRefs>
     <ds:schemaRef ds:uri="http://schemas.microsoft.com/office/2006/metadata/contentType"/>
@@ -17451,23 +17518,6 @@
 </ds:datastoreItem>
 </file>
 
-<file path=customXml/itemProps2.xml><?xml version="1.0" encoding="utf-8"?>
-<ds:datastoreItem xmlns:ds="http://schemas.openxmlformats.org/officeDocument/2006/customXml" ds:itemID="{1F4D5ADA-BB6C-46F4-9A97-3A3D44A9A8A6}">
-  <ds:schemaRefs>
-    <ds:schemaRef ds:uri="http://schemas.microsoft.com/office/2006/documentManagement/types"/>
-    <ds:schemaRef ds:uri="16c05727-aa75-4e4a-9b5f-8a80a1165891"/>
-    <ds:schemaRef ds:uri="http://www.w3.org/XML/1998/namespace"/>
-    <ds:schemaRef ds:uri="71af3243-3dd4-4a8d-8c0d-dd76da1f02a5"/>
-    <ds:schemaRef ds:uri="http://schemas.openxmlformats.org/package/2006/metadata/core-properties"/>
-    <ds:schemaRef ds:uri="http://purl.org/dc/elements/1.1/"/>
-    <ds:schemaRef ds:uri="http://purl.org/dc/terms/"/>
-    <ds:schemaRef ds:uri="http://schemas.microsoft.com/office/infopath/2007/PartnerControls"/>
-    <ds:schemaRef ds:uri="http://schemas.microsoft.com/office/2006/metadata/properties"/>
-    <ds:schemaRef ds:uri="http://purl.org/dc/dcmitype/"/>
-  </ds:schemaRefs>
-</ds:datastoreItem>
-</file>
-
 <file path=customXml/itemProps3.xml><?xml version="1.0" encoding="utf-8"?>
 <ds:datastoreItem xmlns:ds="http://schemas.openxmlformats.org/officeDocument/2006/customXml" ds:itemID="{C28223DC-4748-4F7F-8D8D-E4EA5A6C1882}">
   <ds:schemaRefs>
